--- a/docs/HardwareArduinoToMangOHyellow/mangohyellow_serialwiring_IoT.pptx
+++ b/docs/HardwareArduinoToMangOHyellow/mangohyellow_serialwiring_IoT.pptx
@@ -129,7 +129,7 @@
           <p:cNvPr id="2" name="Title 1">
             <a:extLst>
               <a:ext uri="{FF2B5EF4-FFF2-40B4-BE49-F238E27FC236}">
-                <a16:creationId xmlns:a16="http://schemas.microsoft.com/office/drawing/2014/main" xmlns="" id="{3F1EC731-3173-439E-9D1E-E80830DF5B3A}"/>
+                <a16:creationId xmlns="" xmlns:a16="http://schemas.microsoft.com/office/drawing/2014/main" id="{3F1EC731-3173-439E-9D1E-E80830DF5B3A}"/>
               </a:ext>
             </a:extLst>
           </p:cNvPr>
@@ -167,7 +167,7 @@
           <p:cNvPr id="3" name="Subtitle 2">
             <a:extLst>
               <a:ext uri="{FF2B5EF4-FFF2-40B4-BE49-F238E27FC236}">
-                <a16:creationId xmlns:a16="http://schemas.microsoft.com/office/drawing/2014/main" xmlns="" id="{C463227A-FDEF-41C6-AD9B-9F4CC39A96D1}"/>
+                <a16:creationId xmlns="" xmlns:a16="http://schemas.microsoft.com/office/drawing/2014/main" id="{C463227A-FDEF-41C6-AD9B-9F4CC39A96D1}"/>
               </a:ext>
             </a:extLst>
           </p:cNvPr>
@@ -238,7 +238,7 @@
           <p:cNvPr id="4" name="Date Placeholder 3">
             <a:extLst>
               <a:ext uri="{FF2B5EF4-FFF2-40B4-BE49-F238E27FC236}">
-                <a16:creationId xmlns:a16="http://schemas.microsoft.com/office/drawing/2014/main" xmlns="" id="{3F8F0083-6AB6-4E05-B057-2181BE7377E0}"/>
+                <a16:creationId xmlns="" xmlns:a16="http://schemas.microsoft.com/office/drawing/2014/main" id="{3F8F0083-6AB6-4E05-B057-2181BE7377E0}"/>
               </a:ext>
             </a:extLst>
           </p:cNvPr>
@@ -256,7 +256,7 @@
           <a:p>
             <a:fld id="{1005B58C-6765-45BB-A5E4-27427F086335}" type="datetimeFigureOut">
               <a:rPr lang="en-GB" smtClean="0"/>
-              <a:t>23/03/2020</a:t>
+              <a:t>06/04/2020</a:t>
             </a:fld>
             <a:endParaRPr lang="en-GB"/>
           </a:p>
@@ -267,7 +267,7 @@
           <p:cNvPr id="5" name="Footer Placeholder 4">
             <a:extLst>
               <a:ext uri="{FF2B5EF4-FFF2-40B4-BE49-F238E27FC236}">
-                <a16:creationId xmlns:a16="http://schemas.microsoft.com/office/drawing/2014/main" xmlns="" id="{BBD6839B-BE8F-437A-A44E-22DB5E3C2570}"/>
+                <a16:creationId xmlns="" xmlns:a16="http://schemas.microsoft.com/office/drawing/2014/main" id="{BBD6839B-BE8F-437A-A44E-22DB5E3C2570}"/>
               </a:ext>
             </a:extLst>
           </p:cNvPr>
@@ -292,7 +292,7 @@
           <p:cNvPr id="6" name="Slide Number Placeholder 5">
             <a:extLst>
               <a:ext uri="{FF2B5EF4-FFF2-40B4-BE49-F238E27FC236}">
-                <a16:creationId xmlns:a16="http://schemas.microsoft.com/office/drawing/2014/main" xmlns="" id="{EAFCC886-D2C5-41A5-9E71-ADD63C4E09B9}"/>
+                <a16:creationId xmlns="" xmlns:a16="http://schemas.microsoft.com/office/drawing/2014/main" id="{EAFCC886-D2C5-41A5-9E71-ADD63C4E09B9}"/>
               </a:ext>
             </a:extLst>
           </p:cNvPr>
@@ -351,7 +351,7 @@
           <p:cNvPr id="2" name="Title 1">
             <a:extLst>
               <a:ext uri="{FF2B5EF4-FFF2-40B4-BE49-F238E27FC236}">
-                <a16:creationId xmlns:a16="http://schemas.microsoft.com/office/drawing/2014/main" xmlns="" id="{15B96982-B14E-4E78-A37D-0BE4D9DB69C2}"/>
+                <a16:creationId xmlns="" xmlns:a16="http://schemas.microsoft.com/office/drawing/2014/main" id="{15B96982-B14E-4E78-A37D-0BE4D9DB69C2}"/>
               </a:ext>
             </a:extLst>
           </p:cNvPr>
@@ -380,7 +380,7 @@
           <p:cNvPr id="3" name="Vertical Text Placeholder 2">
             <a:extLst>
               <a:ext uri="{FF2B5EF4-FFF2-40B4-BE49-F238E27FC236}">
-                <a16:creationId xmlns:a16="http://schemas.microsoft.com/office/drawing/2014/main" xmlns="" id="{96FC142B-3669-4726-9D5D-14184D7C9814}"/>
+                <a16:creationId xmlns="" xmlns:a16="http://schemas.microsoft.com/office/drawing/2014/main" id="{96FC142B-3669-4726-9D5D-14184D7C9814}"/>
               </a:ext>
             </a:extLst>
           </p:cNvPr>
@@ -438,7 +438,7 @@
           <p:cNvPr id="4" name="Date Placeholder 3">
             <a:extLst>
               <a:ext uri="{FF2B5EF4-FFF2-40B4-BE49-F238E27FC236}">
-                <a16:creationId xmlns:a16="http://schemas.microsoft.com/office/drawing/2014/main" xmlns="" id="{A8F07F2E-595F-454A-8B08-E3B739367053}"/>
+                <a16:creationId xmlns="" xmlns:a16="http://schemas.microsoft.com/office/drawing/2014/main" id="{A8F07F2E-595F-454A-8B08-E3B739367053}"/>
               </a:ext>
             </a:extLst>
           </p:cNvPr>
@@ -456,7 +456,7 @@
           <a:p>
             <a:fld id="{1005B58C-6765-45BB-A5E4-27427F086335}" type="datetimeFigureOut">
               <a:rPr lang="en-GB" smtClean="0"/>
-              <a:t>23/03/2020</a:t>
+              <a:t>06/04/2020</a:t>
             </a:fld>
             <a:endParaRPr lang="en-GB"/>
           </a:p>
@@ -467,7 +467,7 @@
           <p:cNvPr id="5" name="Footer Placeholder 4">
             <a:extLst>
               <a:ext uri="{FF2B5EF4-FFF2-40B4-BE49-F238E27FC236}">
-                <a16:creationId xmlns:a16="http://schemas.microsoft.com/office/drawing/2014/main" xmlns="" id="{699AC9ED-5ABD-4393-AE14-517E79F0C5E7}"/>
+                <a16:creationId xmlns="" xmlns:a16="http://schemas.microsoft.com/office/drawing/2014/main" id="{699AC9ED-5ABD-4393-AE14-517E79F0C5E7}"/>
               </a:ext>
             </a:extLst>
           </p:cNvPr>
@@ -492,7 +492,7 @@
           <p:cNvPr id="6" name="Slide Number Placeholder 5">
             <a:extLst>
               <a:ext uri="{FF2B5EF4-FFF2-40B4-BE49-F238E27FC236}">
-                <a16:creationId xmlns:a16="http://schemas.microsoft.com/office/drawing/2014/main" xmlns="" id="{BBE542AC-7BF5-405C-8CF2-79DEC2F9F995}"/>
+                <a16:creationId xmlns="" xmlns:a16="http://schemas.microsoft.com/office/drawing/2014/main" id="{BBE542AC-7BF5-405C-8CF2-79DEC2F9F995}"/>
               </a:ext>
             </a:extLst>
           </p:cNvPr>
@@ -551,7 +551,7 @@
           <p:cNvPr id="2" name="Vertical Title 1">
             <a:extLst>
               <a:ext uri="{FF2B5EF4-FFF2-40B4-BE49-F238E27FC236}">
-                <a16:creationId xmlns:a16="http://schemas.microsoft.com/office/drawing/2014/main" xmlns="" id="{A61DF6A1-DF07-4EF4-9F53-C13721E1855B}"/>
+                <a16:creationId xmlns="" xmlns:a16="http://schemas.microsoft.com/office/drawing/2014/main" id="{A61DF6A1-DF07-4EF4-9F53-C13721E1855B}"/>
               </a:ext>
             </a:extLst>
           </p:cNvPr>
@@ -585,7 +585,7 @@
           <p:cNvPr id="3" name="Vertical Text Placeholder 2">
             <a:extLst>
               <a:ext uri="{FF2B5EF4-FFF2-40B4-BE49-F238E27FC236}">
-                <a16:creationId xmlns:a16="http://schemas.microsoft.com/office/drawing/2014/main" xmlns="" id="{6E5ECF6C-0E13-4905-A238-393816ED0130}"/>
+                <a16:creationId xmlns="" xmlns:a16="http://schemas.microsoft.com/office/drawing/2014/main" id="{6E5ECF6C-0E13-4905-A238-393816ED0130}"/>
               </a:ext>
             </a:extLst>
           </p:cNvPr>
@@ -648,7 +648,7 @@
           <p:cNvPr id="4" name="Date Placeholder 3">
             <a:extLst>
               <a:ext uri="{FF2B5EF4-FFF2-40B4-BE49-F238E27FC236}">
-                <a16:creationId xmlns:a16="http://schemas.microsoft.com/office/drawing/2014/main" xmlns="" id="{558ED963-8B25-472E-8615-D803A782E1F5}"/>
+                <a16:creationId xmlns="" xmlns:a16="http://schemas.microsoft.com/office/drawing/2014/main" id="{558ED963-8B25-472E-8615-D803A782E1F5}"/>
               </a:ext>
             </a:extLst>
           </p:cNvPr>
@@ -666,7 +666,7 @@
           <a:p>
             <a:fld id="{1005B58C-6765-45BB-A5E4-27427F086335}" type="datetimeFigureOut">
               <a:rPr lang="en-GB" smtClean="0"/>
-              <a:t>23/03/2020</a:t>
+              <a:t>06/04/2020</a:t>
             </a:fld>
             <a:endParaRPr lang="en-GB"/>
           </a:p>
@@ -677,7 +677,7 @@
           <p:cNvPr id="5" name="Footer Placeholder 4">
             <a:extLst>
               <a:ext uri="{FF2B5EF4-FFF2-40B4-BE49-F238E27FC236}">
-                <a16:creationId xmlns:a16="http://schemas.microsoft.com/office/drawing/2014/main" xmlns="" id="{8BFEF032-8B64-49C4-999C-0EFABC9660A3}"/>
+                <a16:creationId xmlns="" xmlns:a16="http://schemas.microsoft.com/office/drawing/2014/main" id="{8BFEF032-8B64-49C4-999C-0EFABC9660A3}"/>
               </a:ext>
             </a:extLst>
           </p:cNvPr>
@@ -702,7 +702,7 @@
           <p:cNvPr id="6" name="Slide Number Placeholder 5">
             <a:extLst>
               <a:ext uri="{FF2B5EF4-FFF2-40B4-BE49-F238E27FC236}">
-                <a16:creationId xmlns:a16="http://schemas.microsoft.com/office/drawing/2014/main" xmlns="" id="{924AEA40-5524-49AD-85A7-CABF6919B508}"/>
+                <a16:creationId xmlns="" xmlns:a16="http://schemas.microsoft.com/office/drawing/2014/main" id="{924AEA40-5524-49AD-85A7-CABF6919B508}"/>
               </a:ext>
             </a:extLst>
           </p:cNvPr>
@@ -761,7 +761,7 @@
           <p:cNvPr id="2" name="Title 1">
             <a:extLst>
               <a:ext uri="{FF2B5EF4-FFF2-40B4-BE49-F238E27FC236}">
-                <a16:creationId xmlns:a16="http://schemas.microsoft.com/office/drawing/2014/main" xmlns="" id="{5CFBB271-A3B0-4AD0-9B7D-C6BE28482B21}"/>
+                <a16:creationId xmlns="" xmlns:a16="http://schemas.microsoft.com/office/drawing/2014/main" id="{5CFBB271-A3B0-4AD0-9B7D-C6BE28482B21}"/>
               </a:ext>
             </a:extLst>
           </p:cNvPr>
@@ -790,7 +790,7 @@
           <p:cNvPr id="3" name="Content Placeholder 2">
             <a:extLst>
               <a:ext uri="{FF2B5EF4-FFF2-40B4-BE49-F238E27FC236}">
-                <a16:creationId xmlns:a16="http://schemas.microsoft.com/office/drawing/2014/main" xmlns="" id="{1677912D-E941-49AC-9BC4-568513B53694}"/>
+                <a16:creationId xmlns="" xmlns:a16="http://schemas.microsoft.com/office/drawing/2014/main" id="{1677912D-E941-49AC-9BC4-568513B53694}"/>
               </a:ext>
             </a:extLst>
           </p:cNvPr>
@@ -848,7 +848,7 @@
           <p:cNvPr id="4" name="Date Placeholder 3">
             <a:extLst>
               <a:ext uri="{FF2B5EF4-FFF2-40B4-BE49-F238E27FC236}">
-                <a16:creationId xmlns:a16="http://schemas.microsoft.com/office/drawing/2014/main" xmlns="" id="{E5B4E9DE-CBC4-48CF-8101-84B6ADF4CF9D}"/>
+                <a16:creationId xmlns="" xmlns:a16="http://schemas.microsoft.com/office/drawing/2014/main" id="{E5B4E9DE-CBC4-48CF-8101-84B6ADF4CF9D}"/>
               </a:ext>
             </a:extLst>
           </p:cNvPr>
@@ -866,7 +866,7 @@
           <a:p>
             <a:fld id="{1005B58C-6765-45BB-A5E4-27427F086335}" type="datetimeFigureOut">
               <a:rPr lang="en-GB" smtClean="0"/>
-              <a:t>23/03/2020</a:t>
+              <a:t>06/04/2020</a:t>
             </a:fld>
             <a:endParaRPr lang="en-GB"/>
           </a:p>
@@ -877,7 +877,7 @@
           <p:cNvPr id="5" name="Footer Placeholder 4">
             <a:extLst>
               <a:ext uri="{FF2B5EF4-FFF2-40B4-BE49-F238E27FC236}">
-                <a16:creationId xmlns:a16="http://schemas.microsoft.com/office/drawing/2014/main" xmlns="" id="{A5BB70B7-6F0C-49C5-92DE-2E68ED802F0F}"/>
+                <a16:creationId xmlns="" xmlns:a16="http://schemas.microsoft.com/office/drawing/2014/main" id="{A5BB70B7-6F0C-49C5-92DE-2E68ED802F0F}"/>
               </a:ext>
             </a:extLst>
           </p:cNvPr>
@@ -902,7 +902,7 @@
           <p:cNvPr id="6" name="Slide Number Placeholder 5">
             <a:extLst>
               <a:ext uri="{FF2B5EF4-FFF2-40B4-BE49-F238E27FC236}">
-                <a16:creationId xmlns:a16="http://schemas.microsoft.com/office/drawing/2014/main" xmlns="" id="{C01671E8-5311-47FC-B44A-E5A1327AE24A}"/>
+                <a16:creationId xmlns="" xmlns:a16="http://schemas.microsoft.com/office/drawing/2014/main" id="{C01671E8-5311-47FC-B44A-E5A1327AE24A}"/>
               </a:ext>
             </a:extLst>
           </p:cNvPr>
@@ -961,7 +961,7 @@
           <p:cNvPr id="2" name="Title 1">
             <a:extLst>
               <a:ext uri="{FF2B5EF4-FFF2-40B4-BE49-F238E27FC236}">
-                <a16:creationId xmlns:a16="http://schemas.microsoft.com/office/drawing/2014/main" xmlns="" id="{FAAD7F12-2797-4D5F-8C67-243FF4DB1473}"/>
+                <a16:creationId xmlns="" xmlns:a16="http://schemas.microsoft.com/office/drawing/2014/main" id="{FAAD7F12-2797-4D5F-8C67-243FF4DB1473}"/>
               </a:ext>
             </a:extLst>
           </p:cNvPr>
@@ -999,7 +999,7 @@
           <p:cNvPr id="3" name="Text Placeholder 2">
             <a:extLst>
               <a:ext uri="{FF2B5EF4-FFF2-40B4-BE49-F238E27FC236}">
-                <a16:creationId xmlns:a16="http://schemas.microsoft.com/office/drawing/2014/main" xmlns="" id="{F0025F01-7355-40CD-9996-3BC7C049349F}"/>
+                <a16:creationId xmlns="" xmlns:a16="http://schemas.microsoft.com/office/drawing/2014/main" id="{F0025F01-7355-40CD-9996-3BC7C049349F}"/>
               </a:ext>
             </a:extLst>
           </p:cNvPr>
@@ -1124,7 +1124,7 @@
           <p:cNvPr id="4" name="Date Placeholder 3">
             <a:extLst>
               <a:ext uri="{FF2B5EF4-FFF2-40B4-BE49-F238E27FC236}">
-                <a16:creationId xmlns:a16="http://schemas.microsoft.com/office/drawing/2014/main" xmlns="" id="{653D5688-14C4-4F8C-B267-507BBCA3DC2D}"/>
+                <a16:creationId xmlns="" xmlns:a16="http://schemas.microsoft.com/office/drawing/2014/main" id="{653D5688-14C4-4F8C-B267-507BBCA3DC2D}"/>
               </a:ext>
             </a:extLst>
           </p:cNvPr>
@@ -1142,7 +1142,7 @@
           <a:p>
             <a:fld id="{1005B58C-6765-45BB-A5E4-27427F086335}" type="datetimeFigureOut">
               <a:rPr lang="en-GB" smtClean="0"/>
-              <a:t>23/03/2020</a:t>
+              <a:t>06/04/2020</a:t>
             </a:fld>
             <a:endParaRPr lang="en-GB"/>
           </a:p>
@@ -1153,7 +1153,7 @@
           <p:cNvPr id="5" name="Footer Placeholder 4">
             <a:extLst>
               <a:ext uri="{FF2B5EF4-FFF2-40B4-BE49-F238E27FC236}">
-                <a16:creationId xmlns:a16="http://schemas.microsoft.com/office/drawing/2014/main" xmlns="" id="{8B998897-EBF6-442F-A68D-022D914A4227}"/>
+                <a16:creationId xmlns="" xmlns:a16="http://schemas.microsoft.com/office/drawing/2014/main" id="{8B998897-EBF6-442F-A68D-022D914A4227}"/>
               </a:ext>
             </a:extLst>
           </p:cNvPr>
@@ -1178,7 +1178,7 @@
           <p:cNvPr id="6" name="Slide Number Placeholder 5">
             <a:extLst>
               <a:ext uri="{FF2B5EF4-FFF2-40B4-BE49-F238E27FC236}">
-                <a16:creationId xmlns:a16="http://schemas.microsoft.com/office/drawing/2014/main" xmlns="" id="{6E23FE3B-FA04-4377-8E80-E0D9DF483DB8}"/>
+                <a16:creationId xmlns="" xmlns:a16="http://schemas.microsoft.com/office/drawing/2014/main" id="{6E23FE3B-FA04-4377-8E80-E0D9DF483DB8}"/>
               </a:ext>
             </a:extLst>
           </p:cNvPr>
@@ -1237,7 +1237,7 @@
           <p:cNvPr id="2" name="Title 1">
             <a:extLst>
               <a:ext uri="{FF2B5EF4-FFF2-40B4-BE49-F238E27FC236}">
-                <a16:creationId xmlns:a16="http://schemas.microsoft.com/office/drawing/2014/main" xmlns="" id="{ACA2D693-9466-4BA2-99ED-4444CD809A58}"/>
+                <a16:creationId xmlns="" xmlns:a16="http://schemas.microsoft.com/office/drawing/2014/main" id="{ACA2D693-9466-4BA2-99ED-4444CD809A58}"/>
               </a:ext>
             </a:extLst>
           </p:cNvPr>
@@ -1266,7 +1266,7 @@
           <p:cNvPr id="3" name="Content Placeholder 2">
             <a:extLst>
               <a:ext uri="{FF2B5EF4-FFF2-40B4-BE49-F238E27FC236}">
-                <a16:creationId xmlns:a16="http://schemas.microsoft.com/office/drawing/2014/main" xmlns="" id="{5A56E178-7720-4CDE-BFF5-CEFB12E97D8A}"/>
+                <a16:creationId xmlns="" xmlns:a16="http://schemas.microsoft.com/office/drawing/2014/main" id="{5A56E178-7720-4CDE-BFF5-CEFB12E97D8A}"/>
               </a:ext>
             </a:extLst>
           </p:cNvPr>
@@ -1329,7 +1329,7 @@
           <p:cNvPr id="4" name="Content Placeholder 3">
             <a:extLst>
               <a:ext uri="{FF2B5EF4-FFF2-40B4-BE49-F238E27FC236}">
-                <a16:creationId xmlns:a16="http://schemas.microsoft.com/office/drawing/2014/main" xmlns="" id="{32440F3C-CFFF-4BE8-9B95-96DF5EBA26D9}"/>
+                <a16:creationId xmlns="" xmlns:a16="http://schemas.microsoft.com/office/drawing/2014/main" id="{32440F3C-CFFF-4BE8-9B95-96DF5EBA26D9}"/>
               </a:ext>
             </a:extLst>
           </p:cNvPr>
@@ -1392,7 +1392,7 @@
           <p:cNvPr id="5" name="Date Placeholder 4">
             <a:extLst>
               <a:ext uri="{FF2B5EF4-FFF2-40B4-BE49-F238E27FC236}">
-                <a16:creationId xmlns:a16="http://schemas.microsoft.com/office/drawing/2014/main" xmlns="" id="{CB9A5019-EADA-4203-B609-C91B7FAD81D7}"/>
+                <a16:creationId xmlns="" xmlns:a16="http://schemas.microsoft.com/office/drawing/2014/main" id="{CB9A5019-EADA-4203-B609-C91B7FAD81D7}"/>
               </a:ext>
             </a:extLst>
           </p:cNvPr>
@@ -1410,7 +1410,7 @@
           <a:p>
             <a:fld id="{1005B58C-6765-45BB-A5E4-27427F086335}" type="datetimeFigureOut">
               <a:rPr lang="en-GB" smtClean="0"/>
-              <a:t>23/03/2020</a:t>
+              <a:t>06/04/2020</a:t>
             </a:fld>
             <a:endParaRPr lang="en-GB"/>
           </a:p>
@@ -1421,7 +1421,7 @@
           <p:cNvPr id="6" name="Footer Placeholder 5">
             <a:extLst>
               <a:ext uri="{FF2B5EF4-FFF2-40B4-BE49-F238E27FC236}">
-                <a16:creationId xmlns:a16="http://schemas.microsoft.com/office/drawing/2014/main" xmlns="" id="{3E21493E-AC3E-4B93-BD3C-8F7EA936F6B3}"/>
+                <a16:creationId xmlns="" xmlns:a16="http://schemas.microsoft.com/office/drawing/2014/main" id="{3E21493E-AC3E-4B93-BD3C-8F7EA936F6B3}"/>
               </a:ext>
             </a:extLst>
           </p:cNvPr>
@@ -1446,7 +1446,7 @@
           <p:cNvPr id="7" name="Slide Number Placeholder 6">
             <a:extLst>
               <a:ext uri="{FF2B5EF4-FFF2-40B4-BE49-F238E27FC236}">
-                <a16:creationId xmlns:a16="http://schemas.microsoft.com/office/drawing/2014/main" xmlns="" id="{D4804ECA-0652-4B27-9ADA-23B008E2BE40}"/>
+                <a16:creationId xmlns="" xmlns:a16="http://schemas.microsoft.com/office/drawing/2014/main" id="{D4804ECA-0652-4B27-9ADA-23B008E2BE40}"/>
               </a:ext>
             </a:extLst>
           </p:cNvPr>
@@ -1505,7 +1505,7 @@
           <p:cNvPr id="2" name="Title 1">
             <a:extLst>
               <a:ext uri="{FF2B5EF4-FFF2-40B4-BE49-F238E27FC236}">
-                <a16:creationId xmlns:a16="http://schemas.microsoft.com/office/drawing/2014/main" xmlns="" id="{E8EA98DF-A6D7-498B-8A26-3A09C12484B4}"/>
+                <a16:creationId xmlns="" xmlns:a16="http://schemas.microsoft.com/office/drawing/2014/main" id="{E8EA98DF-A6D7-498B-8A26-3A09C12484B4}"/>
               </a:ext>
             </a:extLst>
           </p:cNvPr>
@@ -1539,7 +1539,7 @@
           <p:cNvPr id="3" name="Text Placeholder 2">
             <a:extLst>
               <a:ext uri="{FF2B5EF4-FFF2-40B4-BE49-F238E27FC236}">
-                <a16:creationId xmlns:a16="http://schemas.microsoft.com/office/drawing/2014/main" xmlns="" id="{6C0950FD-EFCA-413A-A3EE-E4050C9D8E00}"/>
+                <a16:creationId xmlns="" xmlns:a16="http://schemas.microsoft.com/office/drawing/2014/main" id="{6C0950FD-EFCA-413A-A3EE-E4050C9D8E00}"/>
               </a:ext>
             </a:extLst>
           </p:cNvPr>
@@ -1610,7 +1610,7 @@
           <p:cNvPr id="4" name="Content Placeholder 3">
             <a:extLst>
               <a:ext uri="{FF2B5EF4-FFF2-40B4-BE49-F238E27FC236}">
-                <a16:creationId xmlns:a16="http://schemas.microsoft.com/office/drawing/2014/main" xmlns="" id="{2CDBE896-22E2-479D-9CE0-64CCAA3C8325}"/>
+                <a16:creationId xmlns="" xmlns:a16="http://schemas.microsoft.com/office/drawing/2014/main" id="{2CDBE896-22E2-479D-9CE0-64CCAA3C8325}"/>
               </a:ext>
             </a:extLst>
           </p:cNvPr>
@@ -1673,7 +1673,7 @@
           <p:cNvPr id="5" name="Text Placeholder 4">
             <a:extLst>
               <a:ext uri="{FF2B5EF4-FFF2-40B4-BE49-F238E27FC236}">
-                <a16:creationId xmlns:a16="http://schemas.microsoft.com/office/drawing/2014/main" xmlns="" id="{7B75D03C-18B3-417B-A2B3-7FD2364DCE94}"/>
+                <a16:creationId xmlns="" xmlns:a16="http://schemas.microsoft.com/office/drawing/2014/main" id="{7B75D03C-18B3-417B-A2B3-7FD2364DCE94}"/>
               </a:ext>
             </a:extLst>
           </p:cNvPr>
@@ -1744,7 +1744,7 @@
           <p:cNvPr id="6" name="Content Placeholder 5">
             <a:extLst>
               <a:ext uri="{FF2B5EF4-FFF2-40B4-BE49-F238E27FC236}">
-                <a16:creationId xmlns:a16="http://schemas.microsoft.com/office/drawing/2014/main" xmlns="" id="{CDA6F3C6-BBDB-4DFF-A056-4D05083502C4}"/>
+                <a16:creationId xmlns="" xmlns:a16="http://schemas.microsoft.com/office/drawing/2014/main" id="{CDA6F3C6-BBDB-4DFF-A056-4D05083502C4}"/>
               </a:ext>
             </a:extLst>
           </p:cNvPr>
@@ -1807,7 +1807,7 @@
           <p:cNvPr id="7" name="Date Placeholder 6">
             <a:extLst>
               <a:ext uri="{FF2B5EF4-FFF2-40B4-BE49-F238E27FC236}">
-                <a16:creationId xmlns:a16="http://schemas.microsoft.com/office/drawing/2014/main" xmlns="" id="{5C896CCF-B6E3-4F71-96C9-C4B859D49834}"/>
+                <a16:creationId xmlns="" xmlns:a16="http://schemas.microsoft.com/office/drawing/2014/main" id="{5C896CCF-B6E3-4F71-96C9-C4B859D49834}"/>
               </a:ext>
             </a:extLst>
           </p:cNvPr>
@@ -1825,7 +1825,7 @@
           <a:p>
             <a:fld id="{1005B58C-6765-45BB-A5E4-27427F086335}" type="datetimeFigureOut">
               <a:rPr lang="en-GB" smtClean="0"/>
-              <a:t>23/03/2020</a:t>
+              <a:t>06/04/2020</a:t>
             </a:fld>
             <a:endParaRPr lang="en-GB"/>
           </a:p>
@@ -1836,7 +1836,7 @@
           <p:cNvPr id="8" name="Footer Placeholder 7">
             <a:extLst>
               <a:ext uri="{FF2B5EF4-FFF2-40B4-BE49-F238E27FC236}">
-                <a16:creationId xmlns:a16="http://schemas.microsoft.com/office/drawing/2014/main" xmlns="" id="{983E07AD-AD2E-4785-B3AA-C3FB6F9C9A94}"/>
+                <a16:creationId xmlns="" xmlns:a16="http://schemas.microsoft.com/office/drawing/2014/main" id="{983E07AD-AD2E-4785-B3AA-C3FB6F9C9A94}"/>
               </a:ext>
             </a:extLst>
           </p:cNvPr>
@@ -1861,7 +1861,7 @@
           <p:cNvPr id="9" name="Slide Number Placeholder 8">
             <a:extLst>
               <a:ext uri="{FF2B5EF4-FFF2-40B4-BE49-F238E27FC236}">
-                <a16:creationId xmlns:a16="http://schemas.microsoft.com/office/drawing/2014/main" xmlns="" id="{538EEE63-8132-4045-9B0C-2360EC3C147E}"/>
+                <a16:creationId xmlns="" xmlns:a16="http://schemas.microsoft.com/office/drawing/2014/main" id="{538EEE63-8132-4045-9B0C-2360EC3C147E}"/>
               </a:ext>
             </a:extLst>
           </p:cNvPr>
@@ -1920,7 +1920,7 @@
           <p:cNvPr id="2" name="Title 1">
             <a:extLst>
               <a:ext uri="{FF2B5EF4-FFF2-40B4-BE49-F238E27FC236}">
-                <a16:creationId xmlns:a16="http://schemas.microsoft.com/office/drawing/2014/main" xmlns="" id="{BF8EA4EC-46BB-46E1-B525-AA0B2B7ADCD3}"/>
+                <a16:creationId xmlns="" xmlns:a16="http://schemas.microsoft.com/office/drawing/2014/main" id="{BF8EA4EC-46BB-46E1-B525-AA0B2B7ADCD3}"/>
               </a:ext>
             </a:extLst>
           </p:cNvPr>
@@ -1949,7 +1949,7 @@
           <p:cNvPr id="3" name="Date Placeholder 2">
             <a:extLst>
               <a:ext uri="{FF2B5EF4-FFF2-40B4-BE49-F238E27FC236}">
-                <a16:creationId xmlns:a16="http://schemas.microsoft.com/office/drawing/2014/main" xmlns="" id="{177C7333-DD33-4ACE-9AFE-9D0386F379DE}"/>
+                <a16:creationId xmlns="" xmlns:a16="http://schemas.microsoft.com/office/drawing/2014/main" id="{177C7333-DD33-4ACE-9AFE-9D0386F379DE}"/>
               </a:ext>
             </a:extLst>
           </p:cNvPr>
@@ -1967,7 +1967,7 @@
           <a:p>
             <a:fld id="{1005B58C-6765-45BB-A5E4-27427F086335}" type="datetimeFigureOut">
               <a:rPr lang="en-GB" smtClean="0"/>
-              <a:t>23/03/2020</a:t>
+              <a:t>06/04/2020</a:t>
             </a:fld>
             <a:endParaRPr lang="en-GB"/>
           </a:p>
@@ -1978,7 +1978,7 @@
           <p:cNvPr id="4" name="Footer Placeholder 3">
             <a:extLst>
               <a:ext uri="{FF2B5EF4-FFF2-40B4-BE49-F238E27FC236}">
-                <a16:creationId xmlns:a16="http://schemas.microsoft.com/office/drawing/2014/main" xmlns="" id="{79BD803D-5A8A-4DFB-BE1D-72588F8DF399}"/>
+                <a16:creationId xmlns="" xmlns:a16="http://schemas.microsoft.com/office/drawing/2014/main" id="{79BD803D-5A8A-4DFB-BE1D-72588F8DF399}"/>
               </a:ext>
             </a:extLst>
           </p:cNvPr>
@@ -2003,7 +2003,7 @@
           <p:cNvPr id="5" name="Slide Number Placeholder 4">
             <a:extLst>
               <a:ext uri="{FF2B5EF4-FFF2-40B4-BE49-F238E27FC236}">
-                <a16:creationId xmlns:a16="http://schemas.microsoft.com/office/drawing/2014/main" xmlns="" id="{F224D89F-1AB9-46EB-B3D3-B41C3068474E}"/>
+                <a16:creationId xmlns="" xmlns:a16="http://schemas.microsoft.com/office/drawing/2014/main" id="{F224D89F-1AB9-46EB-B3D3-B41C3068474E}"/>
               </a:ext>
             </a:extLst>
           </p:cNvPr>
@@ -2062,7 +2062,7 @@
           <p:cNvPr id="2" name="Date Placeholder 1">
             <a:extLst>
               <a:ext uri="{FF2B5EF4-FFF2-40B4-BE49-F238E27FC236}">
-                <a16:creationId xmlns:a16="http://schemas.microsoft.com/office/drawing/2014/main" xmlns="" id="{3FB9705A-D933-4170-84C9-549C88DD6DAF}"/>
+                <a16:creationId xmlns="" xmlns:a16="http://schemas.microsoft.com/office/drawing/2014/main" id="{3FB9705A-D933-4170-84C9-549C88DD6DAF}"/>
               </a:ext>
             </a:extLst>
           </p:cNvPr>
@@ -2080,7 +2080,7 @@
           <a:p>
             <a:fld id="{1005B58C-6765-45BB-A5E4-27427F086335}" type="datetimeFigureOut">
               <a:rPr lang="en-GB" smtClean="0"/>
-              <a:t>23/03/2020</a:t>
+              <a:t>06/04/2020</a:t>
             </a:fld>
             <a:endParaRPr lang="en-GB"/>
           </a:p>
@@ -2091,7 +2091,7 @@
           <p:cNvPr id="3" name="Footer Placeholder 2">
             <a:extLst>
               <a:ext uri="{FF2B5EF4-FFF2-40B4-BE49-F238E27FC236}">
-                <a16:creationId xmlns:a16="http://schemas.microsoft.com/office/drawing/2014/main" xmlns="" id="{4B4F92D2-CFCD-4A80-8B6F-4B7D28AE6689}"/>
+                <a16:creationId xmlns="" xmlns:a16="http://schemas.microsoft.com/office/drawing/2014/main" id="{4B4F92D2-CFCD-4A80-8B6F-4B7D28AE6689}"/>
               </a:ext>
             </a:extLst>
           </p:cNvPr>
@@ -2116,7 +2116,7 @@
           <p:cNvPr id="4" name="Slide Number Placeholder 3">
             <a:extLst>
               <a:ext uri="{FF2B5EF4-FFF2-40B4-BE49-F238E27FC236}">
-                <a16:creationId xmlns:a16="http://schemas.microsoft.com/office/drawing/2014/main" xmlns="" id="{FB92FDBA-54E9-49B8-B63B-547F25A37826}"/>
+                <a16:creationId xmlns="" xmlns:a16="http://schemas.microsoft.com/office/drawing/2014/main" id="{FB92FDBA-54E9-49B8-B63B-547F25A37826}"/>
               </a:ext>
             </a:extLst>
           </p:cNvPr>
@@ -2175,7 +2175,7 @@
           <p:cNvPr id="2" name="Title 1">
             <a:extLst>
               <a:ext uri="{FF2B5EF4-FFF2-40B4-BE49-F238E27FC236}">
-                <a16:creationId xmlns:a16="http://schemas.microsoft.com/office/drawing/2014/main" xmlns="" id="{E00A0FB8-0FAB-4B17-84A6-494CC7CCE331}"/>
+                <a16:creationId xmlns="" xmlns:a16="http://schemas.microsoft.com/office/drawing/2014/main" id="{E00A0FB8-0FAB-4B17-84A6-494CC7CCE331}"/>
               </a:ext>
             </a:extLst>
           </p:cNvPr>
@@ -2213,7 +2213,7 @@
           <p:cNvPr id="3" name="Content Placeholder 2">
             <a:extLst>
               <a:ext uri="{FF2B5EF4-FFF2-40B4-BE49-F238E27FC236}">
-                <a16:creationId xmlns:a16="http://schemas.microsoft.com/office/drawing/2014/main" xmlns="" id="{731F5ADA-C47A-453E-B06A-858DA11464F7}"/>
+                <a16:creationId xmlns="" xmlns:a16="http://schemas.microsoft.com/office/drawing/2014/main" id="{731F5ADA-C47A-453E-B06A-858DA11464F7}"/>
               </a:ext>
             </a:extLst>
           </p:cNvPr>
@@ -2304,7 +2304,7 @@
           <p:cNvPr id="4" name="Text Placeholder 3">
             <a:extLst>
               <a:ext uri="{FF2B5EF4-FFF2-40B4-BE49-F238E27FC236}">
-                <a16:creationId xmlns:a16="http://schemas.microsoft.com/office/drawing/2014/main" xmlns="" id="{20EC734D-6245-46CE-B5BA-29F350D96AC2}"/>
+                <a16:creationId xmlns="" xmlns:a16="http://schemas.microsoft.com/office/drawing/2014/main" id="{20EC734D-6245-46CE-B5BA-29F350D96AC2}"/>
               </a:ext>
             </a:extLst>
           </p:cNvPr>
@@ -2375,7 +2375,7 @@
           <p:cNvPr id="5" name="Date Placeholder 4">
             <a:extLst>
               <a:ext uri="{FF2B5EF4-FFF2-40B4-BE49-F238E27FC236}">
-                <a16:creationId xmlns:a16="http://schemas.microsoft.com/office/drawing/2014/main" xmlns="" id="{08A32A45-FD50-406F-BC0F-B8723BE6C5D4}"/>
+                <a16:creationId xmlns="" xmlns:a16="http://schemas.microsoft.com/office/drawing/2014/main" id="{08A32A45-FD50-406F-BC0F-B8723BE6C5D4}"/>
               </a:ext>
             </a:extLst>
           </p:cNvPr>
@@ -2393,7 +2393,7 @@
           <a:p>
             <a:fld id="{1005B58C-6765-45BB-A5E4-27427F086335}" type="datetimeFigureOut">
               <a:rPr lang="en-GB" smtClean="0"/>
-              <a:t>23/03/2020</a:t>
+              <a:t>06/04/2020</a:t>
             </a:fld>
             <a:endParaRPr lang="en-GB"/>
           </a:p>
@@ -2404,7 +2404,7 @@
           <p:cNvPr id="6" name="Footer Placeholder 5">
             <a:extLst>
               <a:ext uri="{FF2B5EF4-FFF2-40B4-BE49-F238E27FC236}">
-                <a16:creationId xmlns:a16="http://schemas.microsoft.com/office/drawing/2014/main" xmlns="" id="{F5C87C08-C4E9-459F-8AEC-C7C9514D9E77}"/>
+                <a16:creationId xmlns="" xmlns:a16="http://schemas.microsoft.com/office/drawing/2014/main" id="{F5C87C08-C4E9-459F-8AEC-C7C9514D9E77}"/>
               </a:ext>
             </a:extLst>
           </p:cNvPr>
@@ -2429,7 +2429,7 @@
           <p:cNvPr id="7" name="Slide Number Placeholder 6">
             <a:extLst>
               <a:ext uri="{FF2B5EF4-FFF2-40B4-BE49-F238E27FC236}">
-                <a16:creationId xmlns:a16="http://schemas.microsoft.com/office/drawing/2014/main" xmlns="" id="{81DF7F8D-B78E-4A49-93A6-BEE54409B5FB}"/>
+                <a16:creationId xmlns="" xmlns:a16="http://schemas.microsoft.com/office/drawing/2014/main" id="{81DF7F8D-B78E-4A49-93A6-BEE54409B5FB}"/>
               </a:ext>
             </a:extLst>
           </p:cNvPr>
@@ -2488,7 +2488,7 @@
           <p:cNvPr id="2" name="Title 1">
             <a:extLst>
               <a:ext uri="{FF2B5EF4-FFF2-40B4-BE49-F238E27FC236}">
-                <a16:creationId xmlns:a16="http://schemas.microsoft.com/office/drawing/2014/main" xmlns="" id="{EB8001D2-ADBD-435A-B634-B4CF2868890E}"/>
+                <a16:creationId xmlns="" xmlns:a16="http://schemas.microsoft.com/office/drawing/2014/main" id="{EB8001D2-ADBD-435A-B634-B4CF2868890E}"/>
               </a:ext>
             </a:extLst>
           </p:cNvPr>
@@ -2526,7 +2526,7 @@
           <p:cNvPr id="3" name="Picture Placeholder 2">
             <a:extLst>
               <a:ext uri="{FF2B5EF4-FFF2-40B4-BE49-F238E27FC236}">
-                <a16:creationId xmlns:a16="http://schemas.microsoft.com/office/drawing/2014/main" xmlns="" id="{35C265E7-7F57-4D10-8D81-F008A7FD6199}"/>
+                <a16:creationId xmlns="" xmlns:a16="http://schemas.microsoft.com/office/drawing/2014/main" id="{35C265E7-7F57-4D10-8D81-F008A7FD6199}"/>
               </a:ext>
             </a:extLst>
           </p:cNvPr>
@@ -2593,7 +2593,7 @@
           <p:cNvPr id="4" name="Text Placeholder 3">
             <a:extLst>
               <a:ext uri="{FF2B5EF4-FFF2-40B4-BE49-F238E27FC236}">
-                <a16:creationId xmlns:a16="http://schemas.microsoft.com/office/drawing/2014/main" xmlns="" id="{A92BA4C5-8A42-42A4-BD02-6F6B8D93D3D4}"/>
+                <a16:creationId xmlns="" xmlns:a16="http://schemas.microsoft.com/office/drawing/2014/main" id="{A92BA4C5-8A42-42A4-BD02-6F6B8D93D3D4}"/>
               </a:ext>
             </a:extLst>
           </p:cNvPr>
@@ -2664,7 +2664,7 @@
           <p:cNvPr id="5" name="Date Placeholder 4">
             <a:extLst>
               <a:ext uri="{FF2B5EF4-FFF2-40B4-BE49-F238E27FC236}">
-                <a16:creationId xmlns:a16="http://schemas.microsoft.com/office/drawing/2014/main" xmlns="" id="{3762CD60-87F0-41F4-865A-D5A7E48E9A1F}"/>
+                <a16:creationId xmlns="" xmlns:a16="http://schemas.microsoft.com/office/drawing/2014/main" id="{3762CD60-87F0-41F4-865A-D5A7E48E9A1F}"/>
               </a:ext>
             </a:extLst>
           </p:cNvPr>
@@ -2682,7 +2682,7 @@
           <a:p>
             <a:fld id="{1005B58C-6765-45BB-A5E4-27427F086335}" type="datetimeFigureOut">
               <a:rPr lang="en-GB" smtClean="0"/>
-              <a:t>23/03/2020</a:t>
+              <a:t>06/04/2020</a:t>
             </a:fld>
             <a:endParaRPr lang="en-GB"/>
           </a:p>
@@ -2693,7 +2693,7 @@
           <p:cNvPr id="6" name="Footer Placeholder 5">
             <a:extLst>
               <a:ext uri="{FF2B5EF4-FFF2-40B4-BE49-F238E27FC236}">
-                <a16:creationId xmlns:a16="http://schemas.microsoft.com/office/drawing/2014/main" xmlns="" id="{745A0DCB-279F-49A3-B557-E742D6EC62D9}"/>
+                <a16:creationId xmlns="" xmlns:a16="http://schemas.microsoft.com/office/drawing/2014/main" id="{745A0DCB-279F-49A3-B557-E742D6EC62D9}"/>
               </a:ext>
             </a:extLst>
           </p:cNvPr>
@@ -2718,7 +2718,7 @@
           <p:cNvPr id="7" name="Slide Number Placeholder 6">
             <a:extLst>
               <a:ext uri="{FF2B5EF4-FFF2-40B4-BE49-F238E27FC236}">
-                <a16:creationId xmlns:a16="http://schemas.microsoft.com/office/drawing/2014/main" xmlns="" id="{8EA90FE7-5882-4168-B023-9F2902A518F0}"/>
+                <a16:creationId xmlns="" xmlns:a16="http://schemas.microsoft.com/office/drawing/2014/main" id="{8EA90FE7-5882-4168-B023-9F2902A518F0}"/>
               </a:ext>
             </a:extLst>
           </p:cNvPr>
@@ -2782,7 +2782,7 @@
           <p:cNvPr id="2" name="Title Placeholder 1">
             <a:extLst>
               <a:ext uri="{FF2B5EF4-FFF2-40B4-BE49-F238E27FC236}">
-                <a16:creationId xmlns:a16="http://schemas.microsoft.com/office/drawing/2014/main" xmlns="" id="{66D2B5FB-DBDD-43D3-828A-944DF3188B4E}"/>
+                <a16:creationId xmlns="" xmlns:a16="http://schemas.microsoft.com/office/drawing/2014/main" id="{66D2B5FB-DBDD-43D3-828A-944DF3188B4E}"/>
               </a:ext>
             </a:extLst>
           </p:cNvPr>
@@ -2821,7 +2821,7 @@
           <p:cNvPr id="3" name="Text Placeholder 2">
             <a:extLst>
               <a:ext uri="{FF2B5EF4-FFF2-40B4-BE49-F238E27FC236}">
-                <a16:creationId xmlns:a16="http://schemas.microsoft.com/office/drawing/2014/main" xmlns="" id="{A4DA5667-074E-4449-9C46-C90DC7980C57}"/>
+                <a16:creationId xmlns="" xmlns:a16="http://schemas.microsoft.com/office/drawing/2014/main" id="{A4DA5667-074E-4449-9C46-C90DC7980C57}"/>
               </a:ext>
             </a:extLst>
           </p:cNvPr>
@@ -2889,7 +2889,7 @@
           <p:cNvPr id="4" name="Date Placeholder 3">
             <a:extLst>
               <a:ext uri="{FF2B5EF4-FFF2-40B4-BE49-F238E27FC236}">
-                <a16:creationId xmlns:a16="http://schemas.microsoft.com/office/drawing/2014/main" xmlns="" id="{4F7C6F60-3D84-4BC1-A66B-7C3F9A14298D}"/>
+                <a16:creationId xmlns="" xmlns:a16="http://schemas.microsoft.com/office/drawing/2014/main" id="{4F7C6F60-3D84-4BC1-A66B-7C3F9A14298D}"/>
               </a:ext>
             </a:extLst>
           </p:cNvPr>
@@ -2925,7 +2925,7 @@
           <a:p>
             <a:fld id="{1005B58C-6765-45BB-A5E4-27427F086335}" type="datetimeFigureOut">
               <a:rPr lang="en-GB" smtClean="0"/>
-              <a:t>23/03/2020</a:t>
+              <a:t>06/04/2020</a:t>
             </a:fld>
             <a:endParaRPr lang="en-GB"/>
           </a:p>
@@ -2936,7 +2936,7 @@
           <p:cNvPr id="5" name="Footer Placeholder 4">
             <a:extLst>
               <a:ext uri="{FF2B5EF4-FFF2-40B4-BE49-F238E27FC236}">
-                <a16:creationId xmlns:a16="http://schemas.microsoft.com/office/drawing/2014/main" xmlns="" id="{1140929F-D313-4092-B046-0BEAE8D27F2E}"/>
+                <a16:creationId xmlns="" xmlns:a16="http://schemas.microsoft.com/office/drawing/2014/main" id="{1140929F-D313-4092-B046-0BEAE8D27F2E}"/>
               </a:ext>
             </a:extLst>
           </p:cNvPr>
@@ -2979,7 +2979,7 @@
           <p:cNvPr id="6" name="Slide Number Placeholder 5">
             <a:extLst>
               <a:ext uri="{FF2B5EF4-FFF2-40B4-BE49-F238E27FC236}">
-                <a16:creationId xmlns:a16="http://schemas.microsoft.com/office/drawing/2014/main" xmlns="" id="{9DB5241D-4D4C-4029-B0C0-E55DAB0B2B31}"/>
+                <a16:creationId xmlns="" xmlns:a16="http://schemas.microsoft.com/office/drawing/2014/main" id="{9DB5241D-4D4C-4029-B0C0-E55DAB0B2B31}"/>
               </a:ext>
             </a:extLst>
           </p:cNvPr>
@@ -3451,7 +3451,7 @@
           <p:cNvPr id="7" name="Rectangle 6">
             <a:extLst>
               <a:ext uri="{FF2B5EF4-FFF2-40B4-BE49-F238E27FC236}">
-                <a16:creationId xmlns:a16="http://schemas.microsoft.com/office/drawing/2014/main" xmlns="" id="{7C029F56-D7B8-4654-91B4-B836B8A0EC8C}"/>
+                <a16:creationId xmlns="" xmlns:a16="http://schemas.microsoft.com/office/drawing/2014/main" id="{7C029F56-D7B8-4654-91B4-B836B8A0EC8C}"/>
               </a:ext>
             </a:extLst>
           </p:cNvPr>
@@ -3460,7 +3460,7 @@
         </p:nvSpPr>
         <p:spPr>
           <a:xfrm>
-            <a:off x="2785930" y="3568331"/>
+            <a:off x="2785930" y="3415931"/>
             <a:ext cx="1491456" cy="146554"/>
           </a:xfrm>
           <a:prstGeom prst="rect">
@@ -3498,7 +3498,7 @@
           <p:cNvPr id="8" name="Rectangle 7">
             <a:extLst>
               <a:ext uri="{FF2B5EF4-FFF2-40B4-BE49-F238E27FC236}">
-                <a16:creationId xmlns:a16="http://schemas.microsoft.com/office/drawing/2014/main" xmlns="" id="{2EB6E522-7CB8-420D-B10E-130CC0D8C071}"/>
+                <a16:creationId xmlns="" xmlns:a16="http://schemas.microsoft.com/office/drawing/2014/main" id="{2EB6E522-7CB8-420D-B10E-130CC0D8C071}"/>
               </a:ext>
             </a:extLst>
           </p:cNvPr>
@@ -3507,7 +3507,7 @@
         </p:nvSpPr>
         <p:spPr>
           <a:xfrm>
-            <a:off x="2785931" y="3962032"/>
+            <a:off x="2785931" y="3841382"/>
             <a:ext cx="1491455" cy="146554"/>
           </a:xfrm>
           <a:prstGeom prst="rect">
@@ -3545,7 +3545,7 @@
           <p:cNvPr id="9" name="Rectangle 8">
             <a:extLst>
               <a:ext uri="{FF2B5EF4-FFF2-40B4-BE49-F238E27FC236}">
-                <a16:creationId xmlns:a16="http://schemas.microsoft.com/office/drawing/2014/main" xmlns="" id="{3825644A-7FC2-46C7-98E4-1D0A60CCA13F}"/>
+                <a16:creationId xmlns="" xmlns:a16="http://schemas.microsoft.com/office/drawing/2014/main" id="{3825644A-7FC2-46C7-98E4-1D0A60CCA13F}"/>
               </a:ext>
             </a:extLst>
           </p:cNvPr>
@@ -3554,7 +3554,7 @@
         </p:nvSpPr>
         <p:spPr>
           <a:xfrm>
-            <a:off x="2785932" y="4328208"/>
+            <a:off x="2785932" y="4372658"/>
             <a:ext cx="1491454" cy="146554"/>
           </a:xfrm>
           <a:prstGeom prst="rect">
@@ -3581,11 +3581,19 @@
           <a:p>
             <a:r>
               <a:rPr lang="en-GB" sz="1000" dirty="0" smtClean="0"/>
-              <a:t>13    &gt; </a:t>
+              <a:t>13   </a:t>
+            </a:r>
+            <a:r>
+              <a:rPr lang="en-GB" sz="1000" dirty="0" smtClean="0"/>
+              <a:t>1V8 </a:t>
+            </a:r>
+            <a:r>
+              <a:rPr lang="en-GB" sz="1000" dirty="0" smtClean="0"/>
+              <a:t>&gt; </a:t>
             </a:r>
             <a:r>
               <a:rPr lang="en-GB" sz="1000" dirty="0"/>
-              <a:t>RX 3V3</a:t>
+              <a:t>RX </a:t>
             </a:r>
           </a:p>
         </p:txBody>
@@ -3595,7 +3603,7 @@
           <p:cNvPr id="10" name="Rectangle 9">
             <a:extLst>
               <a:ext uri="{FF2B5EF4-FFF2-40B4-BE49-F238E27FC236}">
-                <a16:creationId xmlns:a16="http://schemas.microsoft.com/office/drawing/2014/main" xmlns="" id="{F65F8200-61DC-4592-A539-907E011B5BA6}"/>
+                <a16:creationId xmlns="" xmlns:a16="http://schemas.microsoft.com/office/drawing/2014/main" id="{F65F8200-61DC-4592-A539-907E011B5BA6}"/>
               </a:ext>
             </a:extLst>
           </p:cNvPr>
@@ -3604,7 +3612,7 @@
         </p:nvSpPr>
         <p:spPr>
           <a:xfrm>
-            <a:off x="2784343" y="4140335"/>
+            <a:off x="2784343" y="4102235"/>
             <a:ext cx="1491455" cy="146554"/>
           </a:xfrm>
           <a:prstGeom prst="rect">
@@ -3631,63 +3639,16 @@
           <a:p>
             <a:r>
               <a:rPr lang="en-GB" sz="1000" dirty="0" smtClean="0"/>
-              <a:t>12    </a:t>
+              <a:t>12   </a:t>
+            </a:r>
+            <a:r>
+              <a:rPr lang="en-GB" sz="1000" dirty="0" smtClean="0"/>
+              <a:t>1V8 &lt; </a:t>
             </a:r>
             <a:r>
               <a:rPr lang="en-GB" sz="1000" dirty="0"/>
-              <a:t>&lt; TX 3V3</a:t>
-            </a:r>
-          </a:p>
-        </p:txBody>
-      </p:sp>
-      <p:sp>
-        <p:nvSpPr>
-          <p:cNvPr id="17" name="Rectangle 16">
-            <a:extLst>
-              <a:ext uri="{FF2B5EF4-FFF2-40B4-BE49-F238E27FC236}">
-                <a16:creationId xmlns:a16="http://schemas.microsoft.com/office/drawing/2014/main" xmlns="" id="{F65F8200-61DC-4592-A539-907E011B5BA6}"/>
-              </a:ext>
-            </a:extLst>
-          </p:cNvPr>
-          <p:cNvSpPr/>
-          <p:nvPr/>
-        </p:nvSpPr>
-        <p:spPr>
-          <a:xfrm>
-            <a:off x="2785931" y="4503627"/>
-            <a:ext cx="1491455" cy="146554"/>
-          </a:xfrm>
-          <a:prstGeom prst="rect">
-            <a:avLst/>
-          </a:prstGeom>
-        </p:spPr>
-        <p:style>
-          <a:lnRef idx="2">
-            <a:schemeClr val="dk1"/>
-          </a:lnRef>
-          <a:fillRef idx="1">
-            <a:schemeClr val="lt1"/>
-          </a:fillRef>
-          <a:effectRef idx="0">
-            <a:schemeClr val="dk1"/>
-          </a:effectRef>
-          <a:fontRef idx="minor">
-            <a:schemeClr val="dk1"/>
-          </a:fontRef>
-        </p:style>
-        <p:txBody>
-          <a:bodyPr rtlCol="0" anchor="ctr"/>
-          <a:lstStyle/>
-          <a:p>
-            <a:r>
-              <a:rPr lang="en-GB" sz="1000" dirty="0"/>
-              <a:t>1</a:t>
-            </a:r>
-            <a:r>
-              <a:rPr lang="en-GB" sz="1000" dirty="0" smtClean="0"/>
-              <a:t>      &lt; 5V POWER INPUT</a:t>
-            </a:r>
-            <a:endParaRPr lang="en-GB" sz="1000" dirty="0"/>
+              <a:t>TX </a:t>
+            </a:r>
           </a:p>
         </p:txBody>
       </p:sp>
@@ -3742,36 +3703,48 @@
         <p:spPr>
           <a:xfrm>
             <a:off x="2654785" y="362125"/>
-            <a:ext cx="6704011" cy="369332"/>
+            <a:ext cx="6704011" cy="338554"/>
           </a:xfrm>
           <a:prstGeom prst="rect">
             <a:avLst/>
           </a:prstGeom>
           <a:noFill/>
+          <a:ln w="12700">
+            <a:solidFill>
+              <a:schemeClr val="tx1"/>
+            </a:solidFill>
+          </a:ln>
         </p:spPr>
         <p:txBody>
           <a:bodyPr wrap="square" rtlCol="0">
             <a:spAutoFit/>
           </a:bodyPr>
-          <a:lstStyle/>
-          <a:p>
-            <a:r>
-              <a:rPr lang="en-GB" dirty="0" err="1" smtClean="0"/>
+          <a:lstStyle>
+            <a:defPPr>
+              <a:defRPr lang="en-US"/>
+            </a:defPPr>
+            <a:lvl1pPr algn="ctr">
+              <a:defRPr sz="1200"/>
+            </a:lvl1pPr>
+          </a:lstStyle>
+          <a:p>
+            <a:r>
+              <a:rPr lang="en-GB" sz="1600" b="1" dirty="0" err="1"/>
               <a:t>Arduino</a:t>
             </a:r>
             <a:r>
-              <a:rPr lang="en-GB" dirty="0" smtClean="0"/>
+              <a:rPr lang="en-GB" sz="1600" b="1" dirty="0"/>
               <a:t> &lt;-&gt; </a:t>
             </a:r>
             <a:r>
-              <a:rPr lang="en-GB" dirty="0" err="1" smtClean="0"/>
+              <a:rPr lang="en-GB" sz="1600" b="1" dirty="0" err="1"/>
               <a:t>mangOH</a:t>
             </a:r>
             <a:r>
-              <a:rPr lang="en-GB" dirty="0" smtClean="0"/>
+              <a:rPr lang="en-GB" sz="1600" b="1" dirty="0"/>
               <a:t> example connections and settings</a:t>
             </a:r>
-            <a:endParaRPr lang="en-GB" dirty="0"/>
+            <a:endParaRPr lang="en-GB" sz="1600" b="1" dirty="0"/>
           </a:p>
         </p:txBody>
       </p:sp>
@@ -3780,7 +3753,7 @@
           <p:cNvPr id="33" name="Rectangle 32">
             <a:extLst>
               <a:ext uri="{FF2B5EF4-FFF2-40B4-BE49-F238E27FC236}">
-                <a16:creationId xmlns:a16="http://schemas.microsoft.com/office/drawing/2014/main" xmlns="" id="{7C029F56-D7B8-4654-91B4-B836B8A0EC8C}"/>
+                <a16:creationId xmlns="" xmlns:a16="http://schemas.microsoft.com/office/drawing/2014/main" id="{7C029F56-D7B8-4654-91B4-B836B8A0EC8C}"/>
               </a:ext>
             </a:extLst>
           </p:cNvPr>
@@ -3789,7 +3762,7 @@
         </p:nvSpPr>
         <p:spPr>
           <a:xfrm>
-            <a:off x="6516772" y="3568702"/>
+            <a:off x="6516772" y="3416302"/>
             <a:ext cx="1491456" cy="146554"/>
           </a:xfrm>
           <a:prstGeom prst="rect">
@@ -3829,7 +3802,7 @@
           <p:cNvPr id="34" name="Rectangle 33">
             <a:extLst>
               <a:ext uri="{FF2B5EF4-FFF2-40B4-BE49-F238E27FC236}">
-                <a16:creationId xmlns:a16="http://schemas.microsoft.com/office/drawing/2014/main" xmlns="" id="{2EB6E522-7CB8-420D-B10E-130CC0D8C071}"/>
+                <a16:creationId xmlns="" xmlns:a16="http://schemas.microsoft.com/office/drawing/2014/main" id="{2EB6E522-7CB8-420D-B10E-130CC0D8C071}"/>
               </a:ext>
             </a:extLst>
           </p:cNvPr>
@@ -3838,7 +3811,7 @@
         </p:nvSpPr>
         <p:spPr>
           <a:xfrm>
-            <a:off x="6528025" y="3958395"/>
+            <a:off x="6528025" y="3837745"/>
             <a:ext cx="1491455" cy="146554"/>
           </a:xfrm>
           <a:prstGeom prst="rect">
@@ -3882,7 +3855,7 @@
           <p:cNvPr id="35" name="Rectangle 34">
             <a:extLst>
               <a:ext uri="{FF2B5EF4-FFF2-40B4-BE49-F238E27FC236}">
-                <a16:creationId xmlns:a16="http://schemas.microsoft.com/office/drawing/2014/main" xmlns="" id="{3825644A-7FC2-46C7-98E4-1D0A60CCA13F}"/>
+                <a16:creationId xmlns="" xmlns:a16="http://schemas.microsoft.com/office/drawing/2014/main" id="{3825644A-7FC2-46C7-98E4-1D0A60CCA13F}"/>
               </a:ext>
             </a:extLst>
           </p:cNvPr>
@@ -3891,7 +3864,7 @@
         </p:nvSpPr>
         <p:spPr>
           <a:xfrm>
-            <a:off x="6528025" y="4322064"/>
+            <a:off x="6528025" y="4366514"/>
             <a:ext cx="1491454" cy="146554"/>
           </a:xfrm>
           <a:prstGeom prst="rect">
@@ -3928,8 +3901,13 @@
             </a:r>
             <a:r>
               <a:rPr lang="en-GB" sz="1000" dirty="0"/>
-              <a:t>&gt; RX 3V3</a:t>
-            </a:r>
+              <a:t>&gt; RX </a:t>
+            </a:r>
+            <a:r>
+              <a:rPr lang="en-GB" sz="1000" dirty="0" smtClean="0"/>
+              <a:t>1V8</a:t>
+            </a:r>
+            <a:endParaRPr lang="en-GB" sz="1000" dirty="0"/>
           </a:p>
         </p:txBody>
       </p:sp>
@@ -3938,7 +3916,7 @@
           <p:cNvPr id="36" name="Rectangle 35">
             <a:extLst>
               <a:ext uri="{FF2B5EF4-FFF2-40B4-BE49-F238E27FC236}">
-                <a16:creationId xmlns:a16="http://schemas.microsoft.com/office/drawing/2014/main" xmlns="" id="{F65F8200-61DC-4592-A539-907E011B5BA6}"/>
+                <a16:creationId xmlns="" xmlns:a16="http://schemas.microsoft.com/office/drawing/2014/main" id="{F65F8200-61DC-4592-A539-907E011B5BA6}"/>
               </a:ext>
             </a:extLst>
           </p:cNvPr>
@@ -3947,7 +3925,7 @@
         </p:nvSpPr>
         <p:spPr>
           <a:xfrm>
-            <a:off x="6516772" y="4140205"/>
+            <a:off x="6516772" y="4102105"/>
             <a:ext cx="1491455" cy="146554"/>
           </a:xfrm>
           <a:prstGeom prst="rect">
@@ -3984,59 +3962,11 @@
             </a:r>
             <a:r>
               <a:rPr lang="en-GB" sz="1000" dirty="0"/>
-              <a:t>&lt; TX 3V3</a:t>
-            </a:r>
-          </a:p>
-        </p:txBody>
-      </p:sp>
-      <p:sp>
-        <p:nvSpPr>
-          <p:cNvPr id="37" name="Rectangle 36">
-            <a:extLst>
-              <a:ext uri="{FF2B5EF4-FFF2-40B4-BE49-F238E27FC236}">
-                <a16:creationId xmlns:a16="http://schemas.microsoft.com/office/drawing/2014/main" xmlns="" id="{F65F8200-61DC-4592-A539-907E011B5BA6}"/>
-              </a:ext>
-            </a:extLst>
-          </p:cNvPr>
-          <p:cNvSpPr/>
-          <p:nvPr/>
-        </p:nvSpPr>
-        <p:spPr>
-          <a:xfrm>
-            <a:off x="6516773" y="4509750"/>
-            <a:ext cx="1491455" cy="146554"/>
-          </a:xfrm>
-          <a:prstGeom prst="rect">
-            <a:avLst/>
-          </a:prstGeom>
-        </p:spPr>
-        <p:style>
-          <a:lnRef idx="2">
-            <a:schemeClr val="accent1">
-              <a:shade val="50000"/>
-            </a:schemeClr>
-          </a:lnRef>
-          <a:fillRef idx="1">
-            <a:schemeClr val="accent1"/>
-          </a:fillRef>
-          <a:effectRef idx="0">
-            <a:schemeClr val="accent1"/>
-          </a:effectRef>
-          <a:fontRef idx="minor">
-            <a:schemeClr val="lt1"/>
-          </a:fontRef>
-        </p:style>
-        <p:txBody>
-          <a:bodyPr rtlCol="0" anchor="ctr"/>
-          <a:lstStyle/>
-          <a:p>
-            <a:r>
-              <a:rPr lang="en-GB" sz="1000" dirty="0"/>
-              <a:t>6</a:t>
+              <a:t>&lt; TX </a:t>
             </a:r>
             <a:r>
               <a:rPr lang="en-GB" sz="1000" dirty="0" smtClean="0"/>
-              <a:t>    &lt; 5V POWER OUTPUT</a:t>
+              <a:t>1V8</a:t>
             </a:r>
             <a:endParaRPr lang="en-GB" sz="1000" dirty="0"/>
           </a:p>
@@ -4044,64 +3974,35 @@
       </p:sp>
       <p:sp>
         <p:nvSpPr>
-          <p:cNvPr id="38" name="TextBox 37"/>
+          <p:cNvPr id="41" name="TextBox 40"/>
           <p:cNvSpPr txBox="1"/>
           <p:nvPr/>
         </p:nvSpPr>
         <p:spPr>
           <a:xfrm>
-            <a:off x="4890379" y="4834190"/>
-            <a:ext cx="1043876" cy="276999"/>
+            <a:off x="6528025" y="2304788"/>
+            <a:ext cx="1491455" cy="461665"/>
           </a:xfrm>
           <a:prstGeom prst="rect">
             <a:avLst/>
           </a:prstGeom>
           <a:noFill/>
-        </p:spPr>
-        <p:txBody>
-          <a:bodyPr wrap="none" rtlCol="0">
+          <a:ln w="12700">
+            <a:solidFill>
+              <a:schemeClr val="tx1"/>
+            </a:solidFill>
+          </a:ln>
+        </p:spPr>
+        <p:txBody>
+          <a:bodyPr wrap="square" rtlCol="0">
             <a:spAutoFit/>
           </a:bodyPr>
           <a:lstStyle/>
           <a:p>
+            <a:pPr algn="ctr"/>
             <a:r>
               <a:rPr lang="en-GB" sz="1200" dirty="0" smtClean="0"/>
-              <a:t>Custom Cable</a:t>
-            </a:r>
-            <a:endParaRPr lang="en-GB" sz="1200" dirty="0"/>
-          </a:p>
-        </p:txBody>
-      </p:sp>
-      <p:sp>
-        <p:nvSpPr>
-          <p:cNvPr id="41" name="TextBox 40"/>
-          <p:cNvSpPr txBox="1"/>
-          <p:nvPr/>
-        </p:nvSpPr>
-        <p:spPr>
-          <a:xfrm>
-            <a:off x="6587530" y="4745559"/>
-            <a:ext cx="1313436" cy="461665"/>
-          </a:xfrm>
-          <a:prstGeom prst="rect">
-            <a:avLst/>
-          </a:prstGeom>
-          <a:noFill/>
-        </p:spPr>
-        <p:txBody>
-          <a:bodyPr wrap="none" rtlCol="0">
-            <a:spAutoFit/>
-          </a:bodyPr>
-          <a:lstStyle/>
-          <a:p>
-            <a:pPr algn="ctr"/>
-            <a:r>
-              <a:rPr lang="en-GB" sz="1200" dirty="0" err="1" smtClean="0"/>
-              <a:t>Arduino</a:t>
-            </a:r>
-            <a:r>
-              <a:rPr lang="en-GB" sz="1200" dirty="0" smtClean="0"/>
-              <a:t> breakout </a:t>
+              <a:t>ARDUINO Breakout </a:t>
             </a:r>
             <a:endParaRPr lang="en-GB" sz="1200" dirty="0" smtClean="0"/>
           </a:p>
@@ -4126,7 +4027,7 @@
         </p:nvCxnSpPr>
         <p:spPr>
           <a:xfrm>
-            <a:off x="4277386" y="3641608"/>
+            <a:off x="4277386" y="3489208"/>
             <a:ext cx="2239386" cy="371"/>
           </a:xfrm>
           <a:prstGeom prst="line">
@@ -4160,7 +4061,7 @@
         </p:nvCxnSpPr>
         <p:spPr>
           <a:xfrm flipV="1">
-            <a:off x="4277386" y="4031672"/>
+            <a:off x="4277386" y="3911022"/>
             <a:ext cx="2250639" cy="3637"/>
           </a:xfrm>
           <a:prstGeom prst="straightConnector1">
@@ -4199,7 +4100,7 @@
         </p:nvCxnSpPr>
         <p:spPr>
           <a:xfrm flipV="1">
-            <a:off x="4277386" y="4395341"/>
+            <a:off x="4277386" y="4439791"/>
             <a:ext cx="2250639" cy="6144"/>
           </a:xfrm>
           <a:prstGeom prst="straightConnector1">
@@ -4238,47 +4139,8 @@
         </p:nvCxnSpPr>
         <p:spPr>
           <a:xfrm flipH="1">
-            <a:off x="4275798" y="4213482"/>
+            <a:off x="4275798" y="4175382"/>
             <a:ext cx="2240974" cy="130"/>
-          </a:xfrm>
-          <a:prstGeom prst="straightConnector1">
-            <a:avLst/>
-          </a:prstGeom>
-          <a:ln w="12700">
-            <a:solidFill>
-              <a:schemeClr val="tx1"/>
-            </a:solidFill>
-            <a:tailEnd type="triangle"/>
-          </a:ln>
-        </p:spPr>
-        <p:style>
-          <a:lnRef idx="1">
-            <a:schemeClr val="accent1"/>
-          </a:lnRef>
-          <a:fillRef idx="0">
-            <a:schemeClr val="accent1"/>
-          </a:fillRef>
-          <a:effectRef idx="0">
-            <a:schemeClr val="accent1"/>
-          </a:effectRef>
-          <a:fontRef idx="minor">
-            <a:schemeClr val="tx1"/>
-          </a:fontRef>
-        </p:style>
-      </p:cxnSp>
-      <p:cxnSp>
-        <p:nvCxnSpPr>
-          <p:cNvPr id="56" name="Straight Arrow Connector 55"/>
-          <p:cNvCxnSpPr>
-            <a:stCxn id="37" idx="1"/>
-            <a:endCxn id="17" idx="3"/>
-          </p:cNvCxnSpPr>
-          <p:nvPr/>
-        </p:nvCxnSpPr>
-        <p:spPr>
-          <a:xfrm flipH="1" flipV="1">
-            <a:off x="4277386" y="4576904"/>
-            <a:ext cx="2239387" cy="6123"/>
           </a:xfrm>
           <a:prstGeom prst="straightConnector1">
             <a:avLst/>
@@ -4377,7 +4239,7 @@
         </p:blipFill>
         <p:spPr bwMode="auto">
           <a:xfrm rot="5400000">
-            <a:off x="8844223" y="3262713"/>
+            <a:off x="8844223" y="2729313"/>
             <a:ext cx="2022692" cy="2022692"/>
           </a:xfrm>
           <a:prstGeom prst="rect">
@@ -4400,7 +4262,7 @@
           <p:cNvPr id="64" name="Oval 63">
             <a:extLst>
               <a:ext uri="{FF2B5EF4-FFF2-40B4-BE49-F238E27FC236}">
-                <a16:creationId xmlns:a16="http://schemas.microsoft.com/office/drawing/2014/main" xmlns="" id="{A0DA1FDD-0779-4F25-A5A5-0235533C8B0D}"/>
+                <a16:creationId xmlns="" xmlns:a16="http://schemas.microsoft.com/office/drawing/2014/main" id="{A0DA1FDD-0779-4F25-A5A5-0235533C8B0D}"/>
               </a:ext>
             </a:extLst>
           </p:cNvPr>
@@ -4409,7 +4271,7 @@
         </p:nvSpPr>
         <p:spPr>
           <a:xfrm>
-            <a:off x="9230751" y="4383963"/>
+            <a:off x="9230751" y="3850563"/>
             <a:ext cx="80994" cy="66937"/>
           </a:xfrm>
           <a:prstGeom prst="ellipse">
@@ -4446,7 +4308,7 @@
           <p:cNvPr id="66" name="Oval 65">
             <a:extLst>
               <a:ext uri="{FF2B5EF4-FFF2-40B4-BE49-F238E27FC236}">
-                <a16:creationId xmlns:a16="http://schemas.microsoft.com/office/drawing/2014/main" xmlns="" id="{A0DA1FDD-0779-4F25-A5A5-0235533C8B0D}"/>
+                <a16:creationId xmlns="" xmlns:a16="http://schemas.microsoft.com/office/drawing/2014/main" id="{A0DA1FDD-0779-4F25-A5A5-0235533C8B0D}"/>
               </a:ext>
             </a:extLst>
           </p:cNvPr>
@@ -4455,7 +4317,7 @@
         </p:nvSpPr>
         <p:spPr>
           <a:xfrm>
-            <a:off x="9230751" y="4670335"/>
+            <a:off x="9230751" y="4136935"/>
             <a:ext cx="80994" cy="66937"/>
           </a:xfrm>
           <a:prstGeom prst="ellipse">
@@ -4492,7 +4354,7 @@
           <p:cNvPr id="67" name="Oval 66">
             <a:extLst>
               <a:ext uri="{FF2B5EF4-FFF2-40B4-BE49-F238E27FC236}">
-                <a16:creationId xmlns:a16="http://schemas.microsoft.com/office/drawing/2014/main" xmlns="" id="{A0DA1FDD-0779-4F25-A5A5-0235533C8B0D}"/>
+                <a16:creationId xmlns="" xmlns:a16="http://schemas.microsoft.com/office/drawing/2014/main" id="{A0DA1FDD-0779-4F25-A5A5-0235533C8B0D}"/>
               </a:ext>
             </a:extLst>
           </p:cNvPr>
@@ -4501,7 +4363,7 @@
         </p:nvSpPr>
         <p:spPr>
           <a:xfrm>
-            <a:off x="9535551" y="4676063"/>
+            <a:off x="9535551" y="4142663"/>
             <a:ext cx="80994" cy="66937"/>
           </a:xfrm>
           <a:prstGeom prst="ellipse">
@@ -4538,7 +4400,7 @@
           <p:cNvPr id="68" name="Oval 67">
             <a:extLst>
               <a:ext uri="{FF2B5EF4-FFF2-40B4-BE49-F238E27FC236}">
-                <a16:creationId xmlns:a16="http://schemas.microsoft.com/office/drawing/2014/main" xmlns="" id="{A0DA1FDD-0779-4F25-A5A5-0235533C8B0D}"/>
+                <a16:creationId xmlns="" xmlns:a16="http://schemas.microsoft.com/office/drawing/2014/main" id="{A0DA1FDD-0779-4F25-A5A5-0235533C8B0D}"/>
               </a:ext>
             </a:extLst>
           </p:cNvPr>
@@ -4547,7 +4409,7 @@
         </p:nvSpPr>
         <p:spPr>
           <a:xfrm>
-            <a:off x="9230751" y="4941560"/>
+            <a:off x="9230751" y="4408160"/>
             <a:ext cx="80994" cy="66937"/>
           </a:xfrm>
           <a:prstGeom prst="ellipse">
@@ -4584,7 +4446,7 @@
           <p:cNvPr id="69" name="Oval 68">
             <a:extLst>
               <a:ext uri="{FF2B5EF4-FFF2-40B4-BE49-F238E27FC236}">
-                <a16:creationId xmlns:a16="http://schemas.microsoft.com/office/drawing/2014/main" xmlns="" id="{A0DA1FDD-0779-4F25-A5A5-0235533C8B0D}"/>
+                <a16:creationId xmlns="" xmlns:a16="http://schemas.microsoft.com/office/drawing/2014/main" id="{A0DA1FDD-0779-4F25-A5A5-0235533C8B0D}"/>
               </a:ext>
             </a:extLst>
           </p:cNvPr>
@@ -4593,7 +4455,7 @@
         </p:nvSpPr>
         <p:spPr>
           <a:xfrm>
-            <a:off x="9230751" y="4104949"/>
+            <a:off x="9230751" y="3571549"/>
             <a:ext cx="80994" cy="66937"/>
           </a:xfrm>
           <a:prstGeom prst="ellipse">
@@ -4636,12 +4498,12 @@
         </p:nvCxnSpPr>
         <p:spPr>
           <a:xfrm rot="10800000">
-            <a:off x="8008229" y="3641980"/>
-            <a:ext cx="1222523" cy="775453"/>
+            <a:off x="8008229" y="3489580"/>
+            <a:ext cx="1222523" cy="394453"/>
           </a:xfrm>
           <a:prstGeom prst="bentConnector3">
             <a:avLst>
-              <a:gd name="adj1" fmla="val 37534"/>
+              <a:gd name="adj1" fmla="val 27665"/>
             </a:avLst>
           </a:prstGeom>
           <a:ln w="12700">
@@ -4677,13 +4539,13 @@
           <p:nvPr/>
         </p:nvCxnSpPr>
         <p:spPr>
-          <a:xfrm>
-            <a:off x="8019480" y="4031672"/>
-            <a:ext cx="1211271" cy="106746"/>
+          <a:xfrm flipV="1">
+            <a:off x="8019480" y="3605018"/>
+            <a:ext cx="1211271" cy="306004"/>
           </a:xfrm>
           <a:prstGeom prst="bentConnector3">
             <a:avLst>
-              <a:gd name="adj1" fmla="val 50000"/>
+              <a:gd name="adj1" fmla="val 18021"/>
             </a:avLst>
           </a:prstGeom>
           <a:ln w="12700">
@@ -4719,19 +4581,20 @@
         </p:nvCxnSpPr>
         <p:spPr>
           <a:xfrm>
-            <a:off x="8019479" y="4395341"/>
-            <a:ext cx="1211272" cy="579688"/>
+            <a:off x="8019479" y="4439791"/>
+            <a:ext cx="1211272" cy="1838"/>
           </a:xfrm>
           <a:prstGeom prst="bentConnector3">
             <a:avLst>
-              <a:gd name="adj1" fmla="val 35845"/>
+              <a:gd name="adj1" fmla="val 50000"/>
             </a:avLst>
           </a:prstGeom>
           <a:ln w="25400">
             <a:solidFill>
               <a:srgbClr val="92D050"/>
             </a:solidFill>
-            <a:tailEnd type="triangle"/>
+            <a:headEnd w="med" len="lg"/>
+            <a:tailEnd type="triangle" w="med" len="lg"/>
           </a:ln>
         </p:spPr>
         <p:style>
@@ -4759,21 +4622,21 @@
           <p:nvPr/>
         </p:nvCxnSpPr>
         <p:spPr>
-          <a:xfrm>
-            <a:off x="8008227" y="4213482"/>
-            <a:ext cx="1222524" cy="490322"/>
+          <a:xfrm flipV="1">
+            <a:off x="8008227" y="4170404"/>
+            <a:ext cx="1222524" cy="4978"/>
           </a:xfrm>
           <a:prstGeom prst="bentConnector3">
             <a:avLst>
-              <a:gd name="adj1" fmla="val 43248"/>
+              <a:gd name="adj1" fmla="val 50000"/>
             </a:avLst>
           </a:prstGeom>
           <a:ln w="25400">
             <a:solidFill>
               <a:srgbClr val="FFFF00"/>
             </a:solidFill>
-            <a:headEnd type="triangle"/>
-            <a:tailEnd type="none"/>
+            <a:headEnd type="triangle" w="med" len="lg"/>
+            <a:tailEnd type="none" w="med" len="lg"/>
           </a:ln>
         </p:spPr>
         <p:style>
@@ -4796,7 +4659,7 @@
           <p:cNvPr id="81" name="Oval 80">
             <a:extLst>
               <a:ext uri="{FF2B5EF4-FFF2-40B4-BE49-F238E27FC236}">
-                <a16:creationId xmlns:a16="http://schemas.microsoft.com/office/drawing/2014/main" xmlns="" id="{A0DA1FDD-0779-4F25-A5A5-0235533C8B0D}"/>
+                <a16:creationId xmlns="" xmlns:a16="http://schemas.microsoft.com/office/drawing/2014/main" id="{A0DA1FDD-0779-4F25-A5A5-0235533C8B0D}"/>
               </a:ext>
             </a:extLst>
           </p:cNvPr>
@@ -4805,7 +4668,7 @@
         </p:nvSpPr>
         <p:spPr>
           <a:xfrm>
-            <a:off x="10342001" y="4104949"/>
+            <a:off x="10342001" y="3571549"/>
             <a:ext cx="80994" cy="66937"/>
           </a:xfrm>
           <a:prstGeom prst="ellipse">
@@ -5165,17 +5028,17 @@
         </p:nvSpPr>
         <p:spPr>
           <a:xfrm>
-            <a:off x="6609931" y="1876471"/>
+            <a:off x="4889190" y="993821"/>
             <a:ext cx="1117600" cy="330200"/>
           </a:xfrm>
           <a:prstGeom prst="borderCallout2">
             <a:avLst>
               <a:gd name="adj1" fmla="val 101442"/>
               <a:gd name="adj2" fmla="val 49054"/>
-              <a:gd name="adj3" fmla="val 170674"/>
-              <a:gd name="adj4" fmla="val -18371"/>
-              <a:gd name="adj5" fmla="val 70979"/>
-              <a:gd name="adj6" fmla="val -94730"/>
+              <a:gd name="adj3" fmla="val 205290"/>
+              <a:gd name="adj4" fmla="val 46970"/>
+              <a:gd name="adj5" fmla="val 334441"/>
+              <a:gd name="adj6" fmla="val 58111"/>
             </a:avLst>
           </a:prstGeom>
         </p:spPr>
@@ -5211,7 +5074,7 @@
           <p:cNvPr id="92" name="Oval 91">
             <a:extLst>
               <a:ext uri="{FF2B5EF4-FFF2-40B4-BE49-F238E27FC236}">
-                <a16:creationId xmlns:a16="http://schemas.microsoft.com/office/drawing/2014/main" xmlns="" id="{A0DA1FDD-0779-4F25-A5A5-0235533C8B0D}"/>
+                <a16:creationId xmlns="" xmlns:a16="http://schemas.microsoft.com/office/drawing/2014/main" id="{A0DA1FDD-0779-4F25-A5A5-0235533C8B0D}"/>
               </a:ext>
             </a:extLst>
           </p:cNvPr>
@@ -5220,7 +5083,7 @@
         </p:nvSpPr>
         <p:spPr>
           <a:xfrm>
-            <a:off x="10341370" y="4377615"/>
+            <a:off x="10341370" y="3844215"/>
             <a:ext cx="80994" cy="66937"/>
           </a:xfrm>
           <a:prstGeom prst="ellipse">
@@ -5257,7 +5120,7 @@
           <p:cNvPr id="93" name="Oval 92">
             <a:extLst>
               <a:ext uri="{FF2B5EF4-FFF2-40B4-BE49-F238E27FC236}">
-                <a16:creationId xmlns:a16="http://schemas.microsoft.com/office/drawing/2014/main" xmlns="" id="{A0DA1FDD-0779-4F25-A5A5-0235533C8B0D}"/>
+                <a16:creationId xmlns="" xmlns:a16="http://schemas.microsoft.com/office/drawing/2014/main" id="{A0DA1FDD-0779-4F25-A5A5-0235533C8B0D}"/>
               </a:ext>
             </a:extLst>
           </p:cNvPr>
@@ -5266,7 +5129,7 @@
         </p:nvSpPr>
         <p:spPr>
           <a:xfrm>
-            <a:off x="10341370" y="4656304"/>
+            <a:off x="10341370" y="4122904"/>
             <a:ext cx="80994" cy="66937"/>
           </a:xfrm>
           <a:prstGeom prst="ellipse">
@@ -5303,7 +5166,7 @@
           <p:cNvPr id="94" name="Oval 93">
             <a:extLst>
               <a:ext uri="{FF2B5EF4-FFF2-40B4-BE49-F238E27FC236}">
-                <a16:creationId xmlns:a16="http://schemas.microsoft.com/office/drawing/2014/main" xmlns="" id="{A0DA1FDD-0779-4F25-A5A5-0235533C8B0D}"/>
+                <a16:creationId xmlns="" xmlns:a16="http://schemas.microsoft.com/office/drawing/2014/main" id="{A0DA1FDD-0779-4F25-A5A5-0235533C8B0D}"/>
               </a:ext>
             </a:extLst>
           </p:cNvPr>
@@ -5312,7 +5175,7 @@
         </p:nvSpPr>
         <p:spPr>
           <a:xfrm>
-            <a:off x="10347089" y="4944287"/>
+            <a:off x="10347089" y="4410887"/>
             <a:ext cx="80994" cy="66937"/>
           </a:xfrm>
           <a:prstGeom prst="ellipse">
@@ -5344,85 +5207,12 @@
           </a:p>
         </p:txBody>
       </p:sp>
-      <p:cxnSp>
-        <p:nvCxnSpPr>
-          <p:cNvPr id="1033" name="Elbow Connector 1032"/>
-          <p:cNvCxnSpPr>
-            <a:stCxn id="81" idx="6"/>
-          </p:cNvCxnSpPr>
-          <p:nvPr/>
-        </p:nvCxnSpPr>
-        <p:spPr>
-          <a:xfrm flipH="1">
-            <a:off x="8357481" y="4138418"/>
-            <a:ext cx="2065514" cy="1065104"/>
-          </a:xfrm>
-          <a:prstGeom prst="bentConnector3">
-            <a:avLst>
-              <a:gd name="adj1" fmla="val -11067"/>
-            </a:avLst>
-          </a:prstGeom>
-          <a:ln w="12700"/>
-        </p:spPr>
-        <p:style>
-          <a:lnRef idx="1">
-            <a:schemeClr val="dk1"/>
-          </a:lnRef>
-          <a:fillRef idx="0">
-            <a:schemeClr val="dk1"/>
-          </a:fillRef>
-          <a:effectRef idx="0">
-            <a:schemeClr val="dk1"/>
-          </a:effectRef>
-          <a:fontRef idx="minor">
-            <a:schemeClr val="tx1"/>
-          </a:fontRef>
-        </p:style>
-      </p:cxnSp>
-      <p:cxnSp>
-        <p:nvCxnSpPr>
-          <p:cNvPr id="1035" name="Elbow Connector 1034"/>
-          <p:cNvCxnSpPr>
-            <a:endCxn id="37" idx="3"/>
-          </p:cNvCxnSpPr>
-          <p:nvPr/>
-        </p:nvCxnSpPr>
-        <p:spPr>
-          <a:xfrm rot="16200000" flipV="1">
-            <a:off x="7872608" y="4718648"/>
-            <a:ext cx="620495" cy="349253"/>
-          </a:xfrm>
-          <a:prstGeom prst="bentConnector2">
-            <a:avLst/>
-          </a:prstGeom>
-          <a:ln w="12700">
-            <a:solidFill>
-              <a:schemeClr val="tx1"/>
-            </a:solidFill>
-            <a:tailEnd type="triangle"/>
-          </a:ln>
-        </p:spPr>
-        <p:style>
-          <a:lnRef idx="1">
-            <a:schemeClr val="accent1"/>
-          </a:lnRef>
-          <a:fillRef idx="0">
-            <a:schemeClr val="accent1"/>
-          </a:fillRef>
-          <a:effectRef idx="0">
-            <a:schemeClr val="accent1"/>
-          </a:effectRef>
-          <a:fontRef idx="minor">
-            <a:schemeClr val="tx1"/>
-          </a:fontRef>
-        </p:style>
-      </p:cxnSp>
       <p:sp>
         <p:nvSpPr>
           <p:cNvPr id="108" name="Rectangle 107">
             <a:extLst>
               <a:ext uri="{FF2B5EF4-FFF2-40B4-BE49-F238E27FC236}">
-                <a16:creationId xmlns:a16="http://schemas.microsoft.com/office/drawing/2014/main" xmlns="" id="{F65F8200-61DC-4592-A539-907E011B5BA6}"/>
+                <a16:creationId xmlns="" xmlns:a16="http://schemas.microsoft.com/office/drawing/2014/main" id="{F65F8200-61DC-4592-A539-907E011B5BA6}"/>
               </a:ext>
             </a:extLst>
           </p:cNvPr>
@@ -5431,7 +5221,7 @@
         </p:nvSpPr>
         <p:spPr>
           <a:xfrm>
-            <a:off x="10869943" y="4616495"/>
+            <a:off x="10869945" y="4083094"/>
             <a:ext cx="980036" cy="146554"/>
           </a:xfrm>
           <a:prstGeom prst="rect">
@@ -5460,7 +5250,11 @@
           <a:p>
             <a:r>
               <a:rPr lang="en-GB" sz="1000" dirty="0" smtClean="0"/>
-              <a:t>TX2 16</a:t>
+              <a:t>TX2 </a:t>
+            </a:r>
+            <a:r>
+              <a:rPr lang="en-GB" sz="1000" dirty="0" smtClean="0"/>
+              <a:t>PIN 16  </a:t>
             </a:r>
             <a:endParaRPr lang="en-GB" sz="1000" dirty="0"/>
           </a:p>
@@ -5471,7 +5265,7 @@
           <p:cNvPr id="109" name="Rectangle 108">
             <a:extLst>
               <a:ext uri="{FF2B5EF4-FFF2-40B4-BE49-F238E27FC236}">
-                <a16:creationId xmlns:a16="http://schemas.microsoft.com/office/drawing/2014/main" xmlns="" id="{F65F8200-61DC-4592-A539-907E011B5BA6}"/>
+                <a16:creationId xmlns="" xmlns:a16="http://schemas.microsoft.com/office/drawing/2014/main" id="{F65F8200-61DC-4592-A539-907E011B5BA6}"/>
               </a:ext>
             </a:extLst>
           </p:cNvPr>
@@ -5480,7 +5274,7 @@
         </p:nvSpPr>
         <p:spPr>
           <a:xfrm>
-            <a:off x="10869945" y="4901752"/>
+            <a:off x="10869947" y="4368351"/>
             <a:ext cx="980036" cy="146554"/>
           </a:xfrm>
           <a:prstGeom prst="rect">
@@ -5509,7 +5303,11 @@
           <a:p>
             <a:r>
               <a:rPr lang="en-GB" sz="1000" dirty="0" smtClean="0"/>
-              <a:t>RX2 17</a:t>
+              <a:t>RX2 </a:t>
+            </a:r>
+            <a:r>
+              <a:rPr lang="en-GB" sz="1000" dirty="0" smtClean="0"/>
+              <a:t>PIN 17</a:t>
             </a:r>
             <a:endParaRPr lang="en-GB" sz="1000" dirty="0"/>
           </a:p>
@@ -5520,7 +5318,7 @@
           <p:cNvPr id="110" name="Rectangle 109">
             <a:extLst>
               <a:ext uri="{FF2B5EF4-FFF2-40B4-BE49-F238E27FC236}">
-                <a16:creationId xmlns:a16="http://schemas.microsoft.com/office/drawing/2014/main" xmlns="" id="{F65F8200-61DC-4592-A539-907E011B5BA6}"/>
+                <a16:creationId xmlns="" xmlns:a16="http://schemas.microsoft.com/office/drawing/2014/main" id="{F65F8200-61DC-4592-A539-907E011B5BA6}"/>
               </a:ext>
             </a:extLst>
           </p:cNvPr>
@@ -5529,7 +5327,7 @@
         </p:nvSpPr>
         <p:spPr>
           <a:xfrm>
-            <a:off x="10869944" y="4065141"/>
+            <a:off x="10869946" y="3531740"/>
             <a:ext cx="980035" cy="146554"/>
           </a:xfrm>
           <a:prstGeom prst="rect">
@@ -5569,7 +5367,7 @@
           <p:cNvPr id="111" name="Rectangle 110">
             <a:extLst>
               <a:ext uri="{FF2B5EF4-FFF2-40B4-BE49-F238E27FC236}">
-                <a16:creationId xmlns:a16="http://schemas.microsoft.com/office/drawing/2014/main" xmlns="" id="{7C029F56-D7B8-4654-91B4-B836B8A0EC8C}"/>
+                <a16:creationId xmlns="" xmlns:a16="http://schemas.microsoft.com/office/drawing/2014/main" id="{7C029F56-D7B8-4654-91B4-B836B8A0EC8C}"/>
               </a:ext>
             </a:extLst>
           </p:cNvPr>
@@ -5578,7 +5376,7 @@
         </p:nvSpPr>
         <p:spPr>
           <a:xfrm>
-            <a:off x="10869944" y="4337806"/>
+            <a:off x="10869946" y="3804405"/>
             <a:ext cx="980035" cy="146554"/>
           </a:xfrm>
           <a:prstGeom prst="rect">
@@ -5624,8 +5422,8 @@
         </p:nvCxnSpPr>
         <p:spPr>
           <a:xfrm flipH="1">
-            <a:off x="10422364" y="4689772"/>
-            <a:ext cx="447579" cy="1"/>
+            <a:off x="10422364" y="4156371"/>
+            <a:ext cx="447581" cy="2"/>
           </a:xfrm>
           <a:prstGeom prst="straightConnector1">
             <a:avLst/>
@@ -5663,8 +5461,8 @@
         </p:nvCxnSpPr>
         <p:spPr>
           <a:xfrm flipV="1">
-            <a:off x="10428083" y="4975029"/>
-            <a:ext cx="441862" cy="2727"/>
+            <a:off x="10428083" y="4441628"/>
+            <a:ext cx="441864" cy="2728"/>
           </a:xfrm>
           <a:prstGeom prst="straightConnector1">
             <a:avLst/>
@@ -5699,38 +5497,44 @@
         </p:nvSpPr>
         <p:spPr>
           <a:xfrm>
-            <a:off x="10650571" y="3484423"/>
-            <a:ext cx="1418786" cy="461665"/>
+            <a:off x="10588470" y="2304787"/>
+            <a:ext cx="1542985" cy="461665"/>
           </a:xfrm>
           <a:prstGeom prst="rect">
             <a:avLst/>
           </a:prstGeom>
           <a:noFill/>
-        </p:spPr>
-        <p:txBody>
-          <a:bodyPr wrap="none" rtlCol="0">
+          <a:ln w="12700">
+            <a:solidFill>
+              <a:schemeClr val="tx1"/>
+            </a:solidFill>
+          </a:ln>
+        </p:spPr>
+        <p:txBody>
+          <a:bodyPr wrap="square" rtlCol="0">
             <a:spAutoFit/>
           </a:bodyPr>
-          <a:lstStyle/>
-          <a:p>
-            <a:pPr algn="ctr"/>
-            <a:r>
-              <a:rPr lang="en-GB" sz="1200" dirty="0" err="1" smtClean="0"/>
-              <a:t>Arduino</a:t>
-            </a:r>
-            <a:r>
-              <a:rPr lang="en-GB" sz="1200" dirty="0" smtClean="0"/>
-              <a:t> Mega2560 </a:t>
-            </a:r>
-            <a:endParaRPr lang="en-GB" sz="1200" dirty="0" smtClean="0"/>
-          </a:p>
-          <a:p>
-            <a:pPr algn="ctr"/>
-            <a:r>
-              <a:rPr lang="en-GB" sz="1200" dirty="0" smtClean="0"/>
-              <a:t>Standard Header</a:t>
-            </a:r>
-            <a:endParaRPr lang="en-GB" sz="1200" dirty="0"/>
+          <a:lstStyle>
+            <a:defPPr>
+              <a:defRPr lang="en-US"/>
+            </a:defPPr>
+            <a:lvl1pPr algn="ctr">
+              <a:defRPr sz="1200"/>
+            </a:lvl1pPr>
+          </a:lstStyle>
+          <a:p>
+            <a:r>
+              <a:rPr lang="en-GB" dirty="0" smtClean="0"/>
+              <a:t>ARDUINO Mega2560 </a:t>
+            </a:r>
+            <a:endParaRPr lang="en-GB" dirty="0"/>
+          </a:p>
+          <a:p>
+            <a:r>
+              <a:rPr lang="en-GB" dirty="0"/>
+              <a:t>Standard  5V Header</a:t>
+            </a:r>
+            <a:endParaRPr lang="en-GB" dirty="0"/>
           </a:p>
         </p:txBody>
       </p:sp>
@@ -5744,7 +5548,7 @@
         </p:nvCxnSpPr>
         <p:spPr>
           <a:xfrm flipH="1">
-            <a:off x="10428083" y="4411083"/>
+            <a:off x="10428085" y="3877682"/>
             <a:ext cx="441861" cy="0"/>
           </a:xfrm>
           <a:prstGeom prst="line">
@@ -5783,8 +5587,8 @@
         </p:nvCxnSpPr>
         <p:spPr>
           <a:xfrm flipH="1">
-            <a:off x="10422995" y="4138418"/>
-            <a:ext cx="446949" cy="0"/>
+            <a:off x="10422995" y="3605017"/>
+            <a:ext cx="446951" cy="1"/>
           </a:xfrm>
           <a:prstGeom prst="line">
             <a:avLst/>
@@ -5816,7 +5620,7 @@
           <p:cNvPr id="95" name="Rectangle 94">
             <a:extLst>
               <a:ext uri="{FF2B5EF4-FFF2-40B4-BE49-F238E27FC236}">
-                <a16:creationId xmlns:a16="http://schemas.microsoft.com/office/drawing/2014/main" xmlns="" id="{7C029F56-D7B8-4654-91B4-B836B8A0EC8C}"/>
+                <a16:creationId xmlns="" xmlns:a16="http://schemas.microsoft.com/office/drawing/2014/main" id="{7C029F56-D7B8-4654-91B4-B836B8A0EC8C}"/>
               </a:ext>
             </a:extLst>
           </p:cNvPr>
@@ -5825,7 +5629,7 @@
         </p:nvSpPr>
         <p:spPr>
           <a:xfrm>
-            <a:off x="6516772" y="3759202"/>
+            <a:off x="6523122" y="3619502"/>
             <a:ext cx="1491456" cy="146554"/>
           </a:xfrm>
           <a:prstGeom prst="rect">
@@ -5872,106 +5676,43 @@
         </p:nvSpPr>
         <p:spPr>
           <a:xfrm>
-            <a:off x="9358829" y="2997287"/>
-            <a:ext cx="893193" cy="276999"/>
+            <a:off x="9228857" y="2304788"/>
+            <a:ext cx="1153137" cy="461665"/>
           </a:xfrm>
           <a:prstGeom prst="rect">
             <a:avLst/>
           </a:prstGeom>
           <a:noFill/>
-        </p:spPr>
-        <p:txBody>
-          <a:bodyPr wrap="none" rtlCol="0">
+          <a:ln w="12700">
+            <a:solidFill>
+              <a:schemeClr val="tx1"/>
+            </a:solidFill>
+          </a:ln>
+        </p:spPr>
+        <p:txBody>
+          <a:bodyPr wrap="square" rtlCol="0">
             <a:spAutoFit/>
           </a:bodyPr>
-          <a:lstStyle/>
-          <a:p>
-            <a:pPr algn="ctr"/>
-            <a:r>
-              <a:rPr lang="en-GB" sz="1200" dirty="0" smtClean="0"/>
+          <a:lstStyle>
+            <a:defPPr>
+              <a:defRPr lang="en-US"/>
+            </a:defPPr>
+            <a:lvl1pPr algn="ctr">
+              <a:defRPr sz="1200"/>
+            </a:lvl1pPr>
+          </a:lstStyle>
+          <a:p>
+            <a:r>
+              <a:rPr lang="en-GB" dirty="0"/>
               <a:t>BOB-12009</a:t>
             </a:r>
-            <a:endParaRPr lang="en-GB" sz="1200" dirty="0"/>
-          </a:p>
-        </p:txBody>
-      </p:sp>
-      <p:sp>
-        <p:nvSpPr>
-          <p:cNvPr id="3" name="Multiply 2"/>
-          <p:cNvSpPr/>
-          <p:nvPr/>
-        </p:nvSpPr>
-        <p:spPr>
-          <a:xfrm>
-            <a:off x="5538258" y="4446286"/>
-            <a:ext cx="251883" cy="263245"/>
-          </a:xfrm>
-          <a:prstGeom prst="mathMultiply">
-            <a:avLst/>
-          </a:prstGeom>
-        </p:spPr>
-        <p:style>
-          <a:lnRef idx="2">
-            <a:schemeClr val="accent2">
-              <a:shade val="50000"/>
-            </a:schemeClr>
-          </a:lnRef>
-          <a:fillRef idx="1">
-            <a:schemeClr val="accent2"/>
-          </a:fillRef>
-          <a:effectRef idx="0">
-            <a:schemeClr val="accent2"/>
-          </a:effectRef>
-          <a:fontRef idx="minor">
-            <a:schemeClr val="lt1"/>
-          </a:fontRef>
-        </p:style>
-        <p:txBody>
-          <a:bodyPr rtlCol="0" anchor="ctr"/>
-          <a:lstStyle/>
-          <a:p>
-            <a:pPr algn="ctr"/>
-            <a:endParaRPr lang="en-GB"/>
-          </a:p>
-        </p:txBody>
-      </p:sp>
-      <p:sp>
-        <p:nvSpPr>
-          <p:cNvPr id="63" name="Multiply 62"/>
-          <p:cNvSpPr/>
-          <p:nvPr/>
-        </p:nvSpPr>
-        <p:spPr>
-          <a:xfrm>
-            <a:off x="8493547" y="5074580"/>
-            <a:ext cx="251883" cy="263245"/>
-          </a:xfrm>
-          <a:prstGeom prst="mathMultiply">
-            <a:avLst/>
-          </a:prstGeom>
-        </p:spPr>
-        <p:style>
-          <a:lnRef idx="2">
-            <a:schemeClr val="accent2">
-              <a:shade val="50000"/>
-            </a:schemeClr>
-          </a:lnRef>
-          <a:fillRef idx="1">
-            <a:schemeClr val="accent2"/>
-          </a:fillRef>
-          <a:effectRef idx="0">
-            <a:schemeClr val="accent2"/>
-          </a:effectRef>
-          <a:fontRef idx="minor">
-            <a:schemeClr val="lt1"/>
-          </a:fontRef>
-        </p:style>
-        <p:txBody>
-          <a:bodyPr rtlCol="0" anchor="ctr"/>
-          <a:lstStyle/>
-          <a:p>
-            <a:pPr algn="ctr"/>
-            <a:endParaRPr lang="en-GB"/>
+          </a:p>
+          <a:p>
+            <a:r>
+              <a:rPr lang="en-GB" dirty="0"/>
+              <a:t>Breakout Board</a:t>
+            </a:r>
+            <a:endParaRPr lang="en-GB" dirty="0"/>
           </a:p>
         </p:txBody>
       </p:sp>
@@ -5983,8 +5724,8 @@
         </p:nvSpPr>
         <p:spPr>
           <a:xfrm>
-            <a:off x="3214910" y="2846734"/>
-            <a:ext cx="2283312" cy="508000"/>
+            <a:off x="2654785" y="2846734"/>
+            <a:ext cx="3485665" cy="508000"/>
           </a:xfrm>
           <a:prstGeom prst="flowChartProcess">
             <a:avLst/>
@@ -6017,14 +5758,23 @@
             </a:r>
             <a:r>
               <a:rPr lang="en-GB" dirty="0" smtClean="0"/>
-              <a:t> expansion board </a:t>
-            </a:r>
-          </a:p>
-          <a:p>
-            <a:pPr algn="ctr"/>
+              <a:t> </a:t>
+            </a:r>
             <a:r>
               <a:rPr lang="en-GB" dirty="0" smtClean="0"/>
-              <a:t>1V8 logic</a:t>
+              <a:t>Expansion </a:t>
+            </a:r>
+            <a:r>
+              <a:rPr lang="en-GB" dirty="0"/>
+              <a:t>B</a:t>
+            </a:r>
+            <a:r>
+              <a:rPr lang="en-GB" dirty="0" smtClean="0"/>
+              <a:t>oard    1V8 </a:t>
+            </a:r>
+            <a:r>
+              <a:rPr lang="en-GB" dirty="0" smtClean="0"/>
+              <a:t>logic</a:t>
             </a:r>
             <a:endParaRPr lang="en-GB" dirty="0"/>
           </a:p>
@@ -6359,7 +6109,7 @@
   <a:extraClrSchemeLst/>
   <a:extLst>
     <a:ext uri="{05A4C25C-085E-4340-85A3-A5531E510DB2}">
-      <thm15:themeFamily xmlns:thm15="http://schemas.microsoft.com/office/thememl/2012/main" xmlns="" name="Office Theme" id="{62F939B6-93AF-4DB8-9C6B-D6C7DFDC589F}" vid="{4A3C46E8-61CC-4603-A589-7422A47A8E4A}"/>
+      <thm15:themeFamily xmlns="" xmlns:thm15="http://schemas.microsoft.com/office/thememl/2012/main" name="Office Theme" id="{62F939B6-93AF-4DB8-9C6B-D6C7DFDC589F}" vid="{4A3C46E8-61CC-4603-A589-7422A47A8E4A}"/>
     </a:ext>
   </a:extLst>
 </a:theme>
